--- a/Python Masterclass.pptx
+++ b/Python Masterclass.pptx
@@ -5,10 +5,10 @@
     <p:sldMasterId id="2147483648" r:id="rId1"/>
   </p:sldMasterIdLst>
   <p:notesMasterIdLst>
-    <p:notesMasterId r:id="rId12"/>
+    <p:notesMasterId r:id="rId14"/>
   </p:notesMasterIdLst>
   <p:handoutMasterIdLst>
-    <p:handoutMasterId r:id="rId13"/>
+    <p:handoutMasterId r:id="rId15"/>
   </p:handoutMasterIdLst>
   <p:sldIdLst>
     <p:sldId id="256" r:id="rId2"/>
@@ -21,6 +21,8 @@
     <p:sldId id="268" r:id="rId9"/>
     <p:sldId id="260" r:id="rId10"/>
     <p:sldId id="261" r:id="rId11"/>
+    <p:sldId id="270" r:id="rId12"/>
+    <p:sldId id="269" r:id="rId13"/>
   </p:sldIdLst>
   <p:sldSz cx="12192000" cy="6858000"/>
   <p:notesSz cx="7104063" cy="10234613"/>
@@ -9038,7 +9040,7 @@
           <a:p>
             <a:fld id="{0F9B84EA-7D68-4D60-9CB1-D50884785D1C}" type="datetimeFigureOut">
               <a:rPr lang="zh-CN" altLang="en-US" smtClean="0"/>
-              <a:t>2025/10/25</a:t>
+              <a:t>2025/10/27</a:t>
             </a:fld>
             <a:endParaRPr lang="zh-CN" altLang="en-US"/>
           </a:p>
@@ -9203,7 +9205,7 @@
           <a:p>
             <a:fld id="{D6C8D182-E4C8-4120-9249-FC9774456FFA}" type="datetimeFigureOut">
               <a:rPr lang="zh-CN" altLang="en-US" smtClean="0"/>
-              <a:t>2025/10/25</a:t>
+              <a:t>2025/10/27</a:t>
             </a:fld>
             <a:endParaRPr lang="zh-CN" altLang="en-US"/>
           </a:p>
@@ -9545,7 +9547,7 @@
           <a:p>
             <a:fld id="{760FBDFE-C587-4B4C-A407-44438C67B59E}" type="datetimeFigureOut">
               <a:rPr lang="zh-CN" altLang="en-US" smtClean="0"/>
-              <a:t>2025/10/25</a:t>
+              <a:t>2025/10/27</a:t>
             </a:fld>
             <a:endParaRPr lang="zh-CN" altLang="en-US"/>
           </a:p>
@@ -9711,7 +9713,7 @@
           <a:p>
             <a:fld id="{760FBDFE-C587-4B4C-A407-44438C67B59E}" type="datetimeFigureOut">
               <a:rPr lang="zh-CN" altLang="en-US" smtClean="0"/>
-              <a:t>2025/10/25</a:t>
+              <a:t>2025/10/27</a:t>
             </a:fld>
             <a:endParaRPr lang="zh-CN" altLang="en-US"/>
           </a:p>
@@ -10011,7 +10013,7 @@
           <a:p>
             <a:fld id="{760FBDFE-C587-4B4C-A407-44438C67B59E}" type="datetimeFigureOut">
               <a:rPr lang="zh-CN" altLang="en-US" smtClean="0"/>
-              <a:t>2025/10/25</a:t>
+              <a:t>2025/10/27</a:t>
             </a:fld>
             <a:endParaRPr lang="zh-CN" altLang="en-US"/>
           </a:p>
@@ -10263,7 +10265,7 @@
           <a:p>
             <a:fld id="{760FBDFE-C587-4B4C-A407-44438C67B59E}" type="datetimeFigureOut">
               <a:rPr lang="zh-CN" altLang="en-US" smtClean="0"/>
-              <a:t>2025/10/25</a:t>
+              <a:t>2025/10/27</a:t>
             </a:fld>
             <a:endParaRPr lang="zh-CN" altLang="en-US"/>
           </a:p>
@@ -10646,7 +10648,7 @@
           <a:p>
             <a:fld id="{760FBDFE-C587-4B4C-A407-44438C67B59E}" type="datetimeFigureOut">
               <a:rPr lang="zh-CN" altLang="en-US" smtClean="0"/>
-              <a:t>2025/10/25</a:t>
+              <a:t>2025/10/27</a:t>
             </a:fld>
             <a:endParaRPr lang="zh-CN" altLang="en-US"/>
           </a:p>
@@ -11013,7 +11015,7 @@
           <a:p>
             <a:fld id="{760FBDFE-C587-4B4C-A407-44438C67B59E}" type="datetimeFigureOut">
               <a:rPr lang="zh-CN" altLang="en-US" smtClean="0"/>
-              <a:t>2025/10/25</a:t>
+              <a:t>2025/10/27</a:t>
             </a:fld>
             <a:endParaRPr lang="zh-CN" altLang="en-US"/>
           </a:p>
@@ -11144,7 +11146,7 @@
           <a:p>
             <a:fld id="{760FBDFE-C587-4B4C-A407-44438C67B59E}" type="datetimeFigureOut">
               <a:rPr lang="zh-CN" altLang="en-US" smtClean="0"/>
-              <a:t>2025/10/25</a:t>
+              <a:t>2025/10/27</a:t>
             </a:fld>
             <a:endParaRPr lang="zh-CN" altLang="en-US"/>
           </a:p>
@@ -11234,7 +11236,7 @@
           <a:p>
             <a:fld id="{760FBDFE-C587-4B4C-A407-44438C67B59E}" type="datetimeFigureOut">
               <a:rPr lang="zh-CN" altLang="en-US" smtClean="0"/>
-              <a:t>2025/10/25</a:t>
+              <a:t>2025/10/27</a:t>
             </a:fld>
             <a:endParaRPr lang="zh-CN" altLang="en-US"/>
           </a:p>
@@ -11498,7 +11500,7 @@
           <a:p>
             <a:fld id="{9EFD9D74-47D9-4702-A33C-335B63B48DBF}" type="datetimeFigureOut">
               <a:rPr lang="zh-CN" altLang="en-US" smtClean="0"/>
-              <a:t>2025/10/25</a:t>
+              <a:t>2025/10/27</a:t>
             </a:fld>
             <a:endParaRPr lang="zh-CN" altLang="en-US" dirty="0"/>
           </a:p>
@@ -11709,7 +11711,7 @@
           <a:p>
             <a:fld id="{760FBDFE-C587-4B4C-A407-44438C67B59E}" type="datetimeFigureOut">
               <a:rPr lang="zh-CN" altLang="en-US" smtClean="0"/>
-              <a:t>2025/10/25</a:t>
+              <a:t>2025/10/27</a:t>
             </a:fld>
             <a:endParaRPr lang="zh-CN" altLang="en-US"/>
           </a:p>
@@ -11922,7 +11924,7 @@
           <a:p>
             <a:fld id="{760FBDFE-C587-4B4C-A407-44438C67B59E}" type="datetimeFigureOut">
               <a:rPr lang="zh-CN" altLang="en-US" smtClean="0"/>
-              <a:t>2025/10/25</a:t>
+              <a:t>2025/10/27</a:t>
             </a:fld>
             <a:endParaRPr lang="zh-CN" altLang="en-US"/>
           </a:p>
@@ -12915,6 +12917,68 @@
           </a:p>
         </p:txBody>
       </p:sp>
+      <p:sp>
+        <p:nvSpPr>
+          <p:cNvPr id="3" name="TextBox 2">
+            <a:extLst>
+              <a:ext uri="{FF2B5EF4-FFF2-40B4-BE49-F238E27FC236}">
+                <a16:creationId xmlns:a16="http://schemas.microsoft.com/office/drawing/2014/main" id="{97E91E0A-DA9E-43F9-D2C2-01A47066370F}"/>
+              </a:ext>
+            </a:extLst>
+          </p:cNvPr>
+          <p:cNvSpPr txBox="1"/>
+          <p:nvPr/>
+        </p:nvSpPr>
+        <p:spPr>
+          <a:xfrm>
+            <a:off x="3718560" y="4301978"/>
+            <a:ext cx="4929876" cy="1200329"/>
+          </a:xfrm>
+          <a:prstGeom prst="rect">
+            <a:avLst/>
+          </a:prstGeom>
+          <a:noFill/>
+        </p:spPr>
+        <p:txBody>
+          <a:bodyPr wrap="none" rtlCol="0">
+            <a:spAutoFit/>
+          </a:bodyPr>
+          <a:lstStyle/>
+          <a:p>
+            <a:pPr algn="ctr"/>
+            <a:r>
+              <a:rPr lang="en-IN" dirty="0"/>
+              <a:t>By-</a:t>
+            </a:r>
+          </a:p>
+          <a:p>
+            <a:pPr algn="ctr"/>
+            <a:r>
+              <a:rPr lang="en-IN" dirty="0"/>
+              <a:t>Mahammad Nisar</a:t>
+            </a:r>
+          </a:p>
+          <a:p>
+            <a:pPr algn="ctr"/>
+            <a:r>
+              <a:rPr lang="en-IN" dirty="0"/>
+              <a:t>Senior Data scientist / Technical officer</a:t>
+            </a:r>
+            <a:br>
+              <a:rPr lang="en-IN" dirty="0"/>
+            </a:br>
+            <a:r>
+              <a:rPr lang="en-IN" dirty="0"/>
+              <a:t>CIODS – </a:t>
+            </a:r>
+            <a:r>
+              <a:rPr lang="en-GB" dirty="0"/>
+              <a:t>Yenepoya (Deemed to be University)</a:t>
+            </a:r>
+            <a:endParaRPr lang="en-IN" dirty="0"/>
+          </a:p>
+        </p:txBody>
+      </p:sp>
     </p:spTree>
   </p:cSld>
   <p:clrMapOvr>
@@ -13031,7 +13095,7 @@
           <a:lstStyle/>
           <a:p>
             <a:r>
-              <a:rPr lang="en-US"/>
+              <a:rPr lang="en-US" dirty="0"/>
               <a:t>Functions</a:t>
             </a:r>
           </a:p>
@@ -13904,6 +13968,1667 @@
         </p:txBody>
       </p:sp>
     </p:spTree>
+  </p:cSld>
+  <p:clrMapOvr>
+    <a:masterClrMapping/>
+  </p:clrMapOvr>
+</p:sld>
+</file>
+
+<file path=ppt/slides/slide11.xml><?xml version="1.0" encoding="utf-8"?>
+<p:sld xmlns:a="http://schemas.openxmlformats.org/drawingml/2006/main" xmlns:r="http://schemas.openxmlformats.org/officeDocument/2006/relationships" xmlns:p="http://schemas.openxmlformats.org/presentationml/2006/main">
+  <p:cSld>
+    <p:spTree>
+      <p:nvGrpSpPr>
+        <p:cNvPr id="1" name=""/>
+        <p:cNvGrpSpPr/>
+        <p:nvPr/>
+      </p:nvGrpSpPr>
+      <p:grpSpPr>
+        <a:xfrm>
+          <a:off x="0" y="0"/>
+          <a:ext cx="0" cy="0"/>
+          <a:chOff x="0" y="0"/>
+          <a:chExt cx="0" cy="0"/>
+        </a:xfrm>
+      </p:grpSpPr>
+      <p:sp>
+        <p:nvSpPr>
+          <p:cNvPr id="2" name="Title 1">
+            <a:extLst>
+              <a:ext uri="{FF2B5EF4-FFF2-40B4-BE49-F238E27FC236}">
+                <a16:creationId xmlns:a16="http://schemas.microsoft.com/office/drawing/2014/main" id="{3E40F779-EC5A-C32F-681A-C0313C5853A7}"/>
+              </a:ext>
+            </a:extLst>
+          </p:cNvPr>
+          <p:cNvSpPr>
+            <a:spLocks noGrp="1"/>
+          </p:cNvSpPr>
+          <p:nvPr>
+            <p:ph type="title"/>
+          </p:nvPr>
+        </p:nvSpPr>
+        <p:spPr>
+          <a:xfrm>
+            <a:off x="1951892" y="23681"/>
+            <a:ext cx="9483969" cy="695985"/>
+          </a:xfrm>
+        </p:spPr>
+        <p:txBody>
+          <a:bodyPr>
+            <a:normAutofit/>
+          </a:bodyPr>
+          <a:lstStyle/>
+          <a:p>
+            <a:r>
+              <a:rPr lang="en-IN" sz="1800" b="0" dirty="0">
+                <a:effectLst/>
+                <a:latin typeface="+mn-lt"/>
+              </a:rPr>
+              <a:t>Commonly used String function</a:t>
+            </a:r>
+          </a:p>
+        </p:txBody>
+      </p:sp>
+      <p:graphicFrame>
+        <p:nvGraphicFramePr>
+          <p:cNvPr id="3" name="Table 2">
+            <a:extLst>
+              <a:ext uri="{FF2B5EF4-FFF2-40B4-BE49-F238E27FC236}">
+                <a16:creationId xmlns:a16="http://schemas.microsoft.com/office/drawing/2014/main" id="{6F7EFD59-4F13-DAFE-D1A6-FAD739EA7157}"/>
+              </a:ext>
+            </a:extLst>
+          </p:cNvPr>
+          <p:cNvGraphicFramePr>
+            <a:graphicFrameLocks noGrp="1"/>
+          </p:cNvGraphicFramePr>
+          <p:nvPr>
+            <p:extLst>
+              <p:ext uri="{D42A27DB-BD31-4B8C-83A1-F6EECF244321}">
+                <p14:modId xmlns:p14="http://schemas.microsoft.com/office/powerpoint/2010/main" val="1154475343"/>
+              </p:ext>
+            </p:extLst>
+          </p:nvPr>
+        </p:nvGraphicFramePr>
+        <p:xfrm>
+          <a:off x="2032000" y="719666"/>
+          <a:ext cx="8127999" cy="5974080"/>
+        </p:xfrm>
+        <a:graphic>
+          <a:graphicData uri="http://schemas.openxmlformats.org/drawingml/2006/table">
+            <a:tbl>
+              <a:tblPr firstRow="1" bandRow="1">
+                <a:tableStyleId>{21E4AEA4-8DFA-4A89-87EB-49C32662AFE0}</a:tableStyleId>
+              </a:tblPr>
+              <a:tblGrid>
+                <a:gridCol w="2709333">
+                  <a:extLst>
+                    <a:ext uri="{9D8B030D-6E8A-4147-A177-3AD203B41FA5}">
+                      <a16:colId xmlns:a16="http://schemas.microsoft.com/office/drawing/2014/main" val="468959384"/>
+                    </a:ext>
+                  </a:extLst>
+                </a:gridCol>
+                <a:gridCol w="2709333">
+                  <a:extLst>
+                    <a:ext uri="{9D8B030D-6E8A-4147-A177-3AD203B41FA5}">
+                      <a16:colId xmlns:a16="http://schemas.microsoft.com/office/drawing/2014/main" val="1283015328"/>
+                    </a:ext>
+                  </a:extLst>
+                </a:gridCol>
+                <a:gridCol w="2709333">
+                  <a:extLst>
+                    <a:ext uri="{9D8B030D-6E8A-4147-A177-3AD203B41FA5}">
+                      <a16:colId xmlns:a16="http://schemas.microsoft.com/office/drawing/2014/main" val="3059029335"/>
+                    </a:ext>
+                  </a:extLst>
+                </a:gridCol>
+              </a:tblGrid>
+              <a:tr h="370840">
+                <a:tc>
+                  <a:txBody>
+                    <a:bodyPr/>
+                    <a:lstStyle/>
+                    <a:p>
+                      <a:pPr>
+                        <a:buNone/>
+                      </a:pPr>
+                      <a:r>
+                        <a:rPr lang="en-IN" sz="1200"/>
+                        <a:t>Function</a:t>
+                      </a:r>
+                      <a:endParaRPr lang="en-IN" sz="1200" dirty="0"/>
+                    </a:p>
+                  </a:txBody>
+                  <a:tcPr anchor="ctr"/>
+                </a:tc>
+                <a:tc>
+                  <a:txBody>
+                    <a:bodyPr/>
+                    <a:lstStyle/>
+                    <a:p>
+                      <a:pPr>
+                        <a:buNone/>
+                      </a:pPr>
+                      <a:r>
+                        <a:rPr lang="en-IN" sz="1200"/>
+                        <a:t>Example</a:t>
+                      </a:r>
+                    </a:p>
+                  </a:txBody>
+                  <a:tcPr anchor="ctr"/>
+                </a:tc>
+                <a:tc>
+                  <a:txBody>
+                    <a:bodyPr/>
+                    <a:lstStyle/>
+                    <a:p>
+                      <a:pPr>
+                        <a:buNone/>
+                      </a:pPr>
+                      <a:r>
+                        <a:rPr lang="en-IN" sz="1200"/>
+                        <a:t>Description</a:t>
+                      </a:r>
+                    </a:p>
+                  </a:txBody>
+                  <a:tcPr anchor="ctr"/>
+                </a:tc>
+                <a:extLst>
+                  <a:ext uri="{0D108BD9-81ED-4DB2-BD59-A6C34878D82A}">
+                    <a16:rowId xmlns:a16="http://schemas.microsoft.com/office/drawing/2014/main" val="3449520227"/>
+                  </a:ext>
+                </a:extLst>
+              </a:tr>
+              <a:tr h="370840">
+                <a:tc>
+                  <a:txBody>
+                    <a:bodyPr/>
+                    <a:lstStyle/>
+                    <a:p>
+                      <a:pPr>
+                        <a:buNone/>
+                      </a:pPr>
+                      <a:r>
+                        <a:rPr lang="en-IN" sz="1200">
+                          <a:latin typeface="Courier New" panose="02070309020205020404" pitchFamily="49" charset="0"/>
+                        </a:rPr>
+                        <a:t>len()</a:t>
+                      </a:r>
+                      <a:endParaRPr lang="en-IN" sz="1200" dirty="0"/>
+                    </a:p>
+                  </a:txBody>
+                  <a:tcPr anchor="ctr"/>
+                </a:tc>
+                <a:tc>
+                  <a:txBody>
+                    <a:bodyPr/>
+                    <a:lstStyle/>
+                    <a:p>
+                      <a:pPr>
+                        <a:buNone/>
+                      </a:pPr>
+                      <a:r>
+                        <a:rPr lang="en-IN" sz="1200">
+                          <a:latin typeface="Courier New" panose="02070309020205020404" pitchFamily="49" charset="0"/>
+                        </a:rPr>
+                        <a:t>len("Hello")</a:t>
+                      </a:r>
+                      <a:r>
+                        <a:rPr lang="en-IN" sz="1200"/>
+                        <a:t> → </a:t>
+                      </a:r>
+                      <a:r>
+                        <a:rPr lang="en-IN" sz="1200">
+                          <a:latin typeface="Courier New" panose="02070309020205020404" pitchFamily="49" charset="0"/>
+                        </a:rPr>
+                        <a:t>5</a:t>
+                      </a:r>
+                      <a:endParaRPr lang="en-IN" sz="1200"/>
+                    </a:p>
+                  </a:txBody>
+                  <a:tcPr anchor="ctr"/>
+                </a:tc>
+                <a:tc>
+                  <a:txBody>
+                    <a:bodyPr/>
+                    <a:lstStyle/>
+                    <a:p>
+                      <a:pPr>
+                        <a:buNone/>
+                      </a:pPr>
+                      <a:r>
+                        <a:rPr lang="en-GB" sz="1200"/>
+                        <a:t>Returns the length of the string</a:t>
+                      </a:r>
+                    </a:p>
+                  </a:txBody>
+                  <a:tcPr anchor="ctr"/>
+                </a:tc>
+                <a:extLst>
+                  <a:ext uri="{0D108BD9-81ED-4DB2-BD59-A6C34878D82A}">
+                    <a16:rowId xmlns:a16="http://schemas.microsoft.com/office/drawing/2014/main" val="1410188493"/>
+                  </a:ext>
+                </a:extLst>
+              </a:tr>
+              <a:tr h="370840">
+                <a:tc>
+                  <a:txBody>
+                    <a:bodyPr/>
+                    <a:lstStyle/>
+                    <a:p>
+                      <a:pPr>
+                        <a:buNone/>
+                      </a:pPr>
+                      <a:r>
+                        <a:rPr lang="en-IN" sz="1200">
+                          <a:latin typeface="Courier New" panose="02070309020205020404" pitchFamily="49" charset="0"/>
+                        </a:rPr>
+                        <a:t>lower()</a:t>
+                      </a:r>
+                      <a:endParaRPr lang="en-IN" sz="1200"/>
+                    </a:p>
+                  </a:txBody>
+                  <a:tcPr anchor="ctr"/>
+                </a:tc>
+                <a:tc>
+                  <a:txBody>
+                    <a:bodyPr/>
+                    <a:lstStyle/>
+                    <a:p>
+                      <a:pPr>
+                        <a:buNone/>
+                      </a:pPr>
+                      <a:r>
+                        <a:rPr lang="en-IN" sz="1200">
+                          <a:latin typeface="Courier New" panose="02070309020205020404" pitchFamily="49" charset="0"/>
+                        </a:rPr>
+                        <a:t>"HELLO".lower()</a:t>
+                      </a:r>
+                      <a:r>
+                        <a:rPr lang="en-IN" sz="1200"/>
+                        <a:t> → </a:t>
+                      </a:r>
+                      <a:r>
+                        <a:rPr lang="en-IN" sz="1200">
+                          <a:latin typeface="Courier New" panose="02070309020205020404" pitchFamily="49" charset="0"/>
+                        </a:rPr>
+                        <a:t>"hello"</a:t>
+                      </a:r>
+                      <a:endParaRPr lang="en-IN" sz="1200"/>
+                    </a:p>
+                  </a:txBody>
+                  <a:tcPr anchor="ctr"/>
+                </a:tc>
+                <a:tc>
+                  <a:txBody>
+                    <a:bodyPr/>
+                    <a:lstStyle/>
+                    <a:p>
+                      <a:pPr>
+                        <a:buNone/>
+                      </a:pPr>
+                      <a:r>
+                        <a:rPr lang="en-GB" sz="1200"/>
+                        <a:t>Converts all characters to lowercase</a:t>
+                      </a:r>
+                    </a:p>
+                  </a:txBody>
+                  <a:tcPr anchor="ctr"/>
+                </a:tc>
+                <a:extLst>
+                  <a:ext uri="{0D108BD9-81ED-4DB2-BD59-A6C34878D82A}">
+                    <a16:rowId xmlns:a16="http://schemas.microsoft.com/office/drawing/2014/main" val="203492413"/>
+                  </a:ext>
+                </a:extLst>
+              </a:tr>
+              <a:tr h="370840">
+                <a:tc>
+                  <a:txBody>
+                    <a:bodyPr/>
+                    <a:lstStyle/>
+                    <a:p>
+                      <a:pPr>
+                        <a:buNone/>
+                      </a:pPr>
+                      <a:r>
+                        <a:rPr lang="en-IN" sz="1200">
+                          <a:latin typeface="Courier New" panose="02070309020205020404" pitchFamily="49" charset="0"/>
+                        </a:rPr>
+                        <a:t>upper()</a:t>
+                      </a:r>
+                      <a:endParaRPr lang="en-IN" sz="1200"/>
+                    </a:p>
+                  </a:txBody>
+                  <a:tcPr anchor="ctr"/>
+                </a:tc>
+                <a:tc>
+                  <a:txBody>
+                    <a:bodyPr/>
+                    <a:lstStyle/>
+                    <a:p>
+                      <a:pPr>
+                        <a:buNone/>
+                      </a:pPr>
+                      <a:r>
+                        <a:rPr lang="en-IN" sz="1200">
+                          <a:latin typeface="Courier New" panose="02070309020205020404" pitchFamily="49" charset="0"/>
+                        </a:rPr>
+                        <a:t>"hello".upper()</a:t>
+                      </a:r>
+                      <a:r>
+                        <a:rPr lang="en-IN" sz="1200"/>
+                        <a:t> → </a:t>
+                      </a:r>
+                      <a:r>
+                        <a:rPr lang="en-IN" sz="1200">
+                          <a:latin typeface="Courier New" panose="02070309020205020404" pitchFamily="49" charset="0"/>
+                        </a:rPr>
+                        <a:t>"HELLO"</a:t>
+                      </a:r>
+                      <a:endParaRPr lang="en-IN" sz="1200"/>
+                    </a:p>
+                  </a:txBody>
+                  <a:tcPr anchor="ctr"/>
+                </a:tc>
+                <a:tc>
+                  <a:txBody>
+                    <a:bodyPr/>
+                    <a:lstStyle/>
+                    <a:p>
+                      <a:pPr>
+                        <a:buNone/>
+                      </a:pPr>
+                      <a:r>
+                        <a:rPr lang="en-GB" sz="1200"/>
+                        <a:t>Converts all characters to uppercase</a:t>
+                      </a:r>
+                    </a:p>
+                  </a:txBody>
+                  <a:tcPr anchor="ctr"/>
+                </a:tc>
+                <a:extLst>
+                  <a:ext uri="{0D108BD9-81ED-4DB2-BD59-A6C34878D82A}">
+                    <a16:rowId xmlns:a16="http://schemas.microsoft.com/office/drawing/2014/main" val="271193513"/>
+                  </a:ext>
+                </a:extLst>
+              </a:tr>
+              <a:tr h="370840">
+                <a:tc>
+                  <a:txBody>
+                    <a:bodyPr/>
+                    <a:lstStyle/>
+                    <a:p>
+                      <a:pPr>
+                        <a:buNone/>
+                      </a:pPr>
+                      <a:r>
+                        <a:rPr lang="en-IN" sz="1200">
+                          <a:latin typeface="Courier New" panose="02070309020205020404" pitchFamily="49" charset="0"/>
+                        </a:rPr>
+                        <a:t>title()</a:t>
+                      </a:r>
+                      <a:endParaRPr lang="en-IN" sz="1200"/>
+                    </a:p>
+                  </a:txBody>
+                  <a:tcPr anchor="ctr"/>
+                </a:tc>
+                <a:tc>
+                  <a:txBody>
+                    <a:bodyPr/>
+                    <a:lstStyle/>
+                    <a:p>
+                      <a:pPr>
+                        <a:buNone/>
+                      </a:pPr>
+                      <a:r>
+                        <a:rPr lang="en-GB" sz="1200">
+                          <a:latin typeface="Courier New" panose="02070309020205020404" pitchFamily="49" charset="0"/>
+                        </a:rPr>
+                        <a:t>"hello world".title()</a:t>
+                      </a:r>
+                      <a:r>
+                        <a:rPr lang="en-GB" sz="1200"/>
+                        <a:t> → </a:t>
+                      </a:r>
+                      <a:r>
+                        <a:rPr lang="en-GB" sz="1200">
+                          <a:latin typeface="Courier New" panose="02070309020205020404" pitchFamily="49" charset="0"/>
+                        </a:rPr>
+                        <a:t>"Hello World"</a:t>
+                      </a:r>
+                      <a:endParaRPr lang="en-GB" sz="1200"/>
+                    </a:p>
+                  </a:txBody>
+                  <a:tcPr anchor="ctr"/>
+                </a:tc>
+                <a:tc>
+                  <a:txBody>
+                    <a:bodyPr/>
+                    <a:lstStyle/>
+                    <a:p>
+                      <a:pPr>
+                        <a:buNone/>
+                      </a:pPr>
+                      <a:r>
+                        <a:rPr lang="en-GB" sz="1200"/>
+                        <a:t>Capitalizes first letter of each word</a:t>
+                      </a:r>
+                    </a:p>
+                  </a:txBody>
+                  <a:tcPr anchor="ctr"/>
+                </a:tc>
+                <a:extLst>
+                  <a:ext uri="{0D108BD9-81ED-4DB2-BD59-A6C34878D82A}">
+                    <a16:rowId xmlns:a16="http://schemas.microsoft.com/office/drawing/2014/main" val="1673715916"/>
+                  </a:ext>
+                </a:extLst>
+              </a:tr>
+              <a:tr h="370840">
+                <a:tc>
+                  <a:txBody>
+                    <a:bodyPr/>
+                    <a:lstStyle/>
+                    <a:p>
+                      <a:pPr>
+                        <a:buNone/>
+                      </a:pPr>
+                      <a:r>
+                        <a:rPr lang="en-IN" sz="1200">
+                          <a:latin typeface="Courier New" panose="02070309020205020404" pitchFamily="49" charset="0"/>
+                        </a:rPr>
+                        <a:t>strip()</a:t>
+                      </a:r>
+                      <a:endParaRPr lang="en-IN" sz="1200"/>
+                    </a:p>
+                  </a:txBody>
+                  <a:tcPr anchor="ctr"/>
+                </a:tc>
+                <a:tc>
+                  <a:txBody>
+                    <a:bodyPr/>
+                    <a:lstStyle/>
+                    <a:p>
+                      <a:pPr>
+                        <a:buNone/>
+                      </a:pPr>
+                      <a:r>
+                        <a:rPr lang="en-IN" sz="1200">
+                          <a:latin typeface="Courier New" panose="02070309020205020404" pitchFamily="49" charset="0"/>
+                        </a:rPr>
+                        <a:t>" hello ".strip()</a:t>
+                      </a:r>
+                      <a:r>
+                        <a:rPr lang="en-IN" sz="1200"/>
+                        <a:t> → </a:t>
+                      </a:r>
+                      <a:r>
+                        <a:rPr lang="en-IN" sz="1200">
+                          <a:latin typeface="Courier New" panose="02070309020205020404" pitchFamily="49" charset="0"/>
+                        </a:rPr>
+                        <a:t>"hello"</a:t>
+                      </a:r>
+                      <a:endParaRPr lang="en-IN" sz="1200"/>
+                    </a:p>
+                  </a:txBody>
+                  <a:tcPr anchor="ctr"/>
+                </a:tc>
+                <a:tc>
+                  <a:txBody>
+                    <a:bodyPr/>
+                    <a:lstStyle/>
+                    <a:p>
+                      <a:pPr>
+                        <a:buNone/>
+                      </a:pPr>
+                      <a:r>
+                        <a:rPr lang="en-GB" sz="1200"/>
+                        <a:t>Removes spaces from both ends</a:t>
+                      </a:r>
+                    </a:p>
+                  </a:txBody>
+                  <a:tcPr anchor="ctr"/>
+                </a:tc>
+                <a:extLst>
+                  <a:ext uri="{0D108BD9-81ED-4DB2-BD59-A6C34878D82A}">
+                    <a16:rowId xmlns:a16="http://schemas.microsoft.com/office/drawing/2014/main" val="2024556977"/>
+                  </a:ext>
+                </a:extLst>
+              </a:tr>
+              <a:tr h="370840">
+                <a:tc>
+                  <a:txBody>
+                    <a:bodyPr/>
+                    <a:lstStyle/>
+                    <a:p>
+                      <a:pPr>
+                        <a:buNone/>
+                      </a:pPr>
+                      <a:r>
+                        <a:rPr lang="en-IN" sz="1200">
+                          <a:latin typeface="Courier New" panose="02070309020205020404" pitchFamily="49" charset="0"/>
+                        </a:rPr>
+                        <a:t>replace()</a:t>
+                      </a:r>
+                      <a:endParaRPr lang="en-IN" sz="1200"/>
+                    </a:p>
+                  </a:txBody>
+                  <a:tcPr anchor="ctr"/>
+                </a:tc>
+                <a:tc>
+                  <a:txBody>
+                    <a:bodyPr/>
+                    <a:lstStyle/>
+                    <a:p>
+                      <a:pPr>
+                        <a:buNone/>
+                      </a:pPr>
+                      <a:r>
+                        <a:rPr lang="en-IN" sz="1200">
+                          <a:latin typeface="Courier New" panose="02070309020205020404" pitchFamily="49" charset="0"/>
+                        </a:rPr>
+                        <a:t>"I like Java".replace("Java", "Python")</a:t>
+                      </a:r>
+                      <a:r>
+                        <a:rPr lang="en-IN" sz="1200"/>
+                        <a:t> → </a:t>
+                      </a:r>
+                      <a:r>
+                        <a:rPr lang="en-IN" sz="1200">
+                          <a:latin typeface="Courier New" panose="02070309020205020404" pitchFamily="49" charset="0"/>
+                        </a:rPr>
+                        <a:t>"I like Python"</a:t>
+                      </a:r>
+                      <a:endParaRPr lang="en-IN" sz="1200"/>
+                    </a:p>
+                  </a:txBody>
+                  <a:tcPr anchor="ctr"/>
+                </a:tc>
+                <a:tc>
+                  <a:txBody>
+                    <a:bodyPr/>
+                    <a:lstStyle/>
+                    <a:p>
+                      <a:pPr>
+                        <a:buNone/>
+                      </a:pPr>
+                      <a:r>
+                        <a:rPr lang="en-GB" sz="1200"/>
+                        <a:t>Replaces part of a string</a:t>
+                      </a:r>
+                    </a:p>
+                  </a:txBody>
+                  <a:tcPr anchor="ctr"/>
+                </a:tc>
+                <a:extLst>
+                  <a:ext uri="{0D108BD9-81ED-4DB2-BD59-A6C34878D82A}">
+                    <a16:rowId xmlns:a16="http://schemas.microsoft.com/office/drawing/2014/main" val="2290090561"/>
+                  </a:ext>
+                </a:extLst>
+              </a:tr>
+              <a:tr h="370840">
+                <a:tc>
+                  <a:txBody>
+                    <a:bodyPr/>
+                    <a:lstStyle/>
+                    <a:p>
+                      <a:pPr>
+                        <a:buNone/>
+                      </a:pPr>
+                      <a:r>
+                        <a:rPr lang="en-IN" sz="1200">
+                          <a:latin typeface="Courier New" panose="02070309020205020404" pitchFamily="49" charset="0"/>
+                        </a:rPr>
+                        <a:t>split()</a:t>
+                      </a:r>
+                      <a:endParaRPr lang="en-IN" sz="1200"/>
+                    </a:p>
+                  </a:txBody>
+                  <a:tcPr anchor="ctr"/>
+                </a:tc>
+                <a:tc>
+                  <a:txBody>
+                    <a:bodyPr/>
+                    <a:lstStyle/>
+                    <a:p>
+                      <a:pPr>
+                        <a:buNone/>
+                      </a:pPr>
+                      <a:r>
+                        <a:rPr lang="en-IN" sz="1200">
+                          <a:latin typeface="Courier New" panose="02070309020205020404" pitchFamily="49" charset="0"/>
+                        </a:rPr>
+                        <a:t>"apple,banana,orange".split(",")</a:t>
+                      </a:r>
+                      <a:r>
+                        <a:rPr lang="en-IN" sz="1200"/>
+                        <a:t> → </a:t>
+                      </a:r>
+                      <a:r>
+                        <a:rPr lang="en-IN" sz="1200">
+                          <a:latin typeface="Courier New" panose="02070309020205020404" pitchFamily="49" charset="0"/>
+                        </a:rPr>
+                        <a:t>['apple', 'banana', 'orange']</a:t>
+                      </a:r>
+                      <a:endParaRPr lang="en-IN" sz="1200"/>
+                    </a:p>
+                  </a:txBody>
+                  <a:tcPr anchor="ctr"/>
+                </a:tc>
+                <a:tc>
+                  <a:txBody>
+                    <a:bodyPr/>
+                    <a:lstStyle/>
+                    <a:p>
+                      <a:pPr>
+                        <a:buNone/>
+                      </a:pPr>
+                      <a:r>
+                        <a:rPr lang="en-GB" sz="1200"/>
+                        <a:t>Splits a string into a list</a:t>
+                      </a:r>
+                    </a:p>
+                  </a:txBody>
+                  <a:tcPr anchor="ctr"/>
+                </a:tc>
+                <a:extLst>
+                  <a:ext uri="{0D108BD9-81ED-4DB2-BD59-A6C34878D82A}">
+                    <a16:rowId xmlns:a16="http://schemas.microsoft.com/office/drawing/2014/main" val="779006298"/>
+                  </a:ext>
+                </a:extLst>
+              </a:tr>
+              <a:tr h="370840">
+                <a:tc>
+                  <a:txBody>
+                    <a:bodyPr/>
+                    <a:lstStyle/>
+                    <a:p>
+                      <a:pPr>
+                        <a:buNone/>
+                      </a:pPr>
+                      <a:r>
+                        <a:rPr lang="en-IN" sz="1200">
+                          <a:latin typeface="Courier New" panose="02070309020205020404" pitchFamily="49" charset="0"/>
+                        </a:rPr>
+                        <a:t>join()</a:t>
+                      </a:r>
+                      <a:endParaRPr lang="en-IN" sz="1200"/>
+                    </a:p>
+                  </a:txBody>
+                  <a:tcPr anchor="ctr"/>
+                </a:tc>
+                <a:tc>
+                  <a:txBody>
+                    <a:bodyPr/>
+                    <a:lstStyle/>
+                    <a:p>
+                      <a:pPr>
+                        <a:buNone/>
+                      </a:pPr>
+                      <a:r>
+                        <a:rPr lang="en-IN" sz="1200">
+                          <a:latin typeface="Courier New" panose="02070309020205020404" pitchFamily="49" charset="0"/>
+                        </a:rPr>
+                        <a:t>" ".join(['I', 'love', 'Python'])</a:t>
+                      </a:r>
+                      <a:r>
+                        <a:rPr lang="en-IN" sz="1200"/>
+                        <a:t> → </a:t>
+                      </a:r>
+                      <a:r>
+                        <a:rPr lang="en-IN" sz="1200">
+                          <a:latin typeface="Courier New" panose="02070309020205020404" pitchFamily="49" charset="0"/>
+                        </a:rPr>
+                        <a:t>"I love Python"</a:t>
+                      </a:r>
+                      <a:endParaRPr lang="en-IN" sz="1200"/>
+                    </a:p>
+                  </a:txBody>
+                  <a:tcPr anchor="ctr"/>
+                </a:tc>
+                <a:tc>
+                  <a:txBody>
+                    <a:bodyPr/>
+                    <a:lstStyle/>
+                    <a:p>
+                      <a:pPr>
+                        <a:buNone/>
+                      </a:pPr>
+                      <a:r>
+                        <a:rPr lang="en-GB" sz="1200"/>
+                        <a:t>Joins elements of a list into a string</a:t>
+                      </a:r>
+                    </a:p>
+                  </a:txBody>
+                  <a:tcPr anchor="ctr"/>
+                </a:tc>
+                <a:extLst>
+                  <a:ext uri="{0D108BD9-81ED-4DB2-BD59-A6C34878D82A}">
+                    <a16:rowId xmlns:a16="http://schemas.microsoft.com/office/drawing/2014/main" val="1480560250"/>
+                  </a:ext>
+                </a:extLst>
+              </a:tr>
+              <a:tr h="370840">
+                <a:tc>
+                  <a:txBody>
+                    <a:bodyPr/>
+                    <a:lstStyle/>
+                    <a:p>
+                      <a:pPr>
+                        <a:buNone/>
+                      </a:pPr>
+                      <a:r>
+                        <a:rPr lang="en-IN" sz="1200">
+                          <a:latin typeface="Courier New" panose="02070309020205020404" pitchFamily="49" charset="0"/>
+                        </a:rPr>
+                        <a:t>find()</a:t>
+                      </a:r>
+                      <a:endParaRPr lang="en-IN" sz="1200"/>
+                    </a:p>
+                  </a:txBody>
+                  <a:tcPr anchor="ctr"/>
+                </a:tc>
+                <a:tc>
+                  <a:txBody>
+                    <a:bodyPr/>
+                    <a:lstStyle/>
+                    <a:p>
+                      <a:pPr>
+                        <a:buNone/>
+                      </a:pPr>
+                      <a:r>
+                        <a:rPr lang="en-IN" sz="1200">
+                          <a:latin typeface="Courier New" panose="02070309020205020404" pitchFamily="49" charset="0"/>
+                        </a:rPr>
+                        <a:t>"python".find("t")</a:t>
+                      </a:r>
+                      <a:r>
+                        <a:rPr lang="en-IN" sz="1200"/>
+                        <a:t> → </a:t>
+                      </a:r>
+                      <a:r>
+                        <a:rPr lang="en-IN" sz="1200">
+                          <a:latin typeface="Courier New" panose="02070309020205020404" pitchFamily="49" charset="0"/>
+                        </a:rPr>
+                        <a:t>2</a:t>
+                      </a:r>
+                      <a:endParaRPr lang="en-IN" sz="1200"/>
+                    </a:p>
+                  </a:txBody>
+                  <a:tcPr anchor="ctr"/>
+                </a:tc>
+                <a:tc>
+                  <a:txBody>
+                    <a:bodyPr/>
+                    <a:lstStyle/>
+                    <a:p>
+                      <a:pPr>
+                        <a:buNone/>
+                      </a:pPr>
+                      <a:r>
+                        <a:rPr lang="en-GB" sz="1200"/>
+                        <a:t>Returns the index of first occurrence</a:t>
+                      </a:r>
+                    </a:p>
+                  </a:txBody>
+                  <a:tcPr anchor="ctr"/>
+                </a:tc>
+                <a:extLst>
+                  <a:ext uri="{0D108BD9-81ED-4DB2-BD59-A6C34878D82A}">
+                    <a16:rowId xmlns:a16="http://schemas.microsoft.com/office/drawing/2014/main" val="2250459926"/>
+                  </a:ext>
+                </a:extLst>
+              </a:tr>
+              <a:tr h="370840">
+                <a:tc>
+                  <a:txBody>
+                    <a:bodyPr/>
+                    <a:lstStyle/>
+                    <a:p>
+                      <a:pPr>
+                        <a:buNone/>
+                      </a:pPr>
+                      <a:r>
+                        <a:rPr lang="en-IN" sz="1200">
+                          <a:latin typeface="Courier New" panose="02070309020205020404" pitchFamily="49" charset="0"/>
+                        </a:rPr>
+                        <a:t>count()</a:t>
+                      </a:r>
+                      <a:endParaRPr lang="en-IN" sz="1200"/>
+                    </a:p>
+                  </a:txBody>
+                  <a:tcPr anchor="ctr"/>
+                </a:tc>
+                <a:tc>
+                  <a:txBody>
+                    <a:bodyPr/>
+                    <a:lstStyle/>
+                    <a:p>
+                      <a:pPr>
+                        <a:buNone/>
+                      </a:pPr>
+                      <a:r>
+                        <a:rPr lang="en-IN" sz="1200">
+                          <a:latin typeface="Courier New" panose="02070309020205020404" pitchFamily="49" charset="0"/>
+                        </a:rPr>
+                        <a:t>"banana".count("a")</a:t>
+                      </a:r>
+                      <a:r>
+                        <a:rPr lang="en-IN" sz="1200"/>
+                        <a:t> → </a:t>
+                      </a:r>
+                      <a:r>
+                        <a:rPr lang="en-IN" sz="1200">
+                          <a:latin typeface="Courier New" panose="02070309020205020404" pitchFamily="49" charset="0"/>
+                        </a:rPr>
+                        <a:t>3</a:t>
+                      </a:r>
+                      <a:endParaRPr lang="en-IN" sz="1200"/>
+                    </a:p>
+                  </a:txBody>
+                  <a:tcPr anchor="ctr"/>
+                </a:tc>
+                <a:tc>
+                  <a:txBody>
+                    <a:bodyPr/>
+                    <a:lstStyle/>
+                    <a:p>
+                      <a:pPr>
+                        <a:buNone/>
+                      </a:pPr>
+                      <a:r>
+                        <a:rPr lang="en-GB" sz="1200"/>
+                        <a:t>Counts how many times a substring appears</a:t>
+                      </a:r>
+                    </a:p>
+                  </a:txBody>
+                  <a:tcPr anchor="ctr"/>
+                </a:tc>
+                <a:extLst>
+                  <a:ext uri="{0D108BD9-81ED-4DB2-BD59-A6C34878D82A}">
+                    <a16:rowId xmlns:a16="http://schemas.microsoft.com/office/drawing/2014/main" val="1598402376"/>
+                  </a:ext>
+                </a:extLst>
+              </a:tr>
+              <a:tr h="370840">
+                <a:tc>
+                  <a:txBody>
+                    <a:bodyPr/>
+                    <a:lstStyle/>
+                    <a:p>
+                      <a:pPr>
+                        <a:buNone/>
+                      </a:pPr>
+                      <a:r>
+                        <a:rPr lang="en-IN" sz="1200">
+                          <a:latin typeface="Courier New" panose="02070309020205020404" pitchFamily="49" charset="0"/>
+                        </a:rPr>
+                        <a:t>startswith()</a:t>
+                      </a:r>
+                      <a:endParaRPr lang="en-IN" sz="1200"/>
+                    </a:p>
+                  </a:txBody>
+                  <a:tcPr anchor="ctr"/>
+                </a:tc>
+                <a:tc>
+                  <a:txBody>
+                    <a:bodyPr/>
+                    <a:lstStyle/>
+                    <a:p>
+                      <a:pPr>
+                        <a:buNone/>
+                      </a:pPr>
+                      <a:r>
+                        <a:rPr lang="en-IN" sz="1200">
+                          <a:latin typeface="Courier New" panose="02070309020205020404" pitchFamily="49" charset="0"/>
+                        </a:rPr>
+                        <a:t>"Python".startswith("Py")</a:t>
+                      </a:r>
+                      <a:r>
+                        <a:rPr lang="en-IN" sz="1200"/>
+                        <a:t> → </a:t>
+                      </a:r>
+                      <a:r>
+                        <a:rPr lang="en-IN" sz="1200">
+                          <a:latin typeface="Courier New" panose="02070309020205020404" pitchFamily="49" charset="0"/>
+                        </a:rPr>
+                        <a:t>True</a:t>
+                      </a:r>
+                      <a:endParaRPr lang="en-IN" sz="1200"/>
+                    </a:p>
+                  </a:txBody>
+                  <a:tcPr anchor="ctr"/>
+                </a:tc>
+                <a:tc>
+                  <a:txBody>
+                    <a:bodyPr/>
+                    <a:lstStyle/>
+                    <a:p>
+                      <a:pPr>
+                        <a:buNone/>
+                      </a:pPr>
+                      <a:r>
+                        <a:rPr lang="en-GB" sz="1200"/>
+                        <a:t>Checks if string starts with given value</a:t>
+                      </a:r>
+                    </a:p>
+                  </a:txBody>
+                  <a:tcPr anchor="ctr"/>
+                </a:tc>
+                <a:extLst>
+                  <a:ext uri="{0D108BD9-81ED-4DB2-BD59-A6C34878D82A}">
+                    <a16:rowId xmlns:a16="http://schemas.microsoft.com/office/drawing/2014/main" val="1722007530"/>
+                  </a:ext>
+                </a:extLst>
+              </a:tr>
+              <a:tr h="370840">
+                <a:tc>
+                  <a:txBody>
+                    <a:bodyPr/>
+                    <a:lstStyle/>
+                    <a:p>
+                      <a:pPr>
+                        <a:buNone/>
+                      </a:pPr>
+                      <a:r>
+                        <a:rPr lang="en-IN" sz="1200">
+                          <a:latin typeface="Courier New" panose="02070309020205020404" pitchFamily="49" charset="0"/>
+                        </a:rPr>
+                        <a:t>endswith()</a:t>
+                      </a:r>
+                      <a:endParaRPr lang="en-IN" sz="1200"/>
+                    </a:p>
+                  </a:txBody>
+                  <a:tcPr anchor="ctr"/>
+                </a:tc>
+                <a:tc>
+                  <a:txBody>
+                    <a:bodyPr/>
+                    <a:lstStyle/>
+                    <a:p>
+                      <a:pPr>
+                        <a:buNone/>
+                      </a:pPr>
+                      <a:r>
+                        <a:rPr lang="en-IN" sz="1200">
+                          <a:latin typeface="Courier New" panose="02070309020205020404" pitchFamily="49" charset="0"/>
+                        </a:rPr>
+                        <a:t>"Python".endswith("on")</a:t>
+                      </a:r>
+                      <a:r>
+                        <a:rPr lang="en-IN" sz="1200"/>
+                        <a:t> → </a:t>
+                      </a:r>
+                      <a:r>
+                        <a:rPr lang="en-IN" sz="1200">
+                          <a:latin typeface="Courier New" panose="02070309020205020404" pitchFamily="49" charset="0"/>
+                        </a:rPr>
+                        <a:t>True</a:t>
+                      </a:r>
+                      <a:endParaRPr lang="en-IN" sz="1200"/>
+                    </a:p>
+                  </a:txBody>
+                  <a:tcPr anchor="ctr"/>
+                </a:tc>
+                <a:tc>
+                  <a:txBody>
+                    <a:bodyPr/>
+                    <a:lstStyle/>
+                    <a:p>
+                      <a:pPr>
+                        <a:buNone/>
+                      </a:pPr>
+                      <a:r>
+                        <a:rPr lang="en-GB" sz="1200"/>
+                        <a:t>Checks if string ends with given value</a:t>
+                      </a:r>
+                      <a:endParaRPr lang="en-GB" sz="1200" dirty="0"/>
+                    </a:p>
+                  </a:txBody>
+                  <a:tcPr anchor="ctr"/>
+                </a:tc>
+                <a:extLst>
+                  <a:ext uri="{0D108BD9-81ED-4DB2-BD59-A6C34878D82A}">
+                    <a16:rowId xmlns:a16="http://schemas.microsoft.com/office/drawing/2014/main" val="2345835453"/>
+                  </a:ext>
+                </a:extLst>
+              </a:tr>
+            </a:tbl>
+          </a:graphicData>
+        </a:graphic>
+      </p:graphicFrame>
+    </p:spTree>
+    <p:extLst>
+      <p:ext uri="{BB962C8B-B14F-4D97-AF65-F5344CB8AC3E}">
+        <p14:creationId xmlns:p14="http://schemas.microsoft.com/office/powerpoint/2010/main" val="2220192735"/>
+      </p:ext>
+    </p:extLst>
+  </p:cSld>
+  <p:clrMapOvr>
+    <a:masterClrMapping/>
+  </p:clrMapOvr>
+</p:sld>
+</file>
+
+<file path=ppt/slides/slide12.xml><?xml version="1.0" encoding="utf-8"?>
+<p:sld xmlns:a="http://schemas.openxmlformats.org/drawingml/2006/main" xmlns:r="http://schemas.openxmlformats.org/officeDocument/2006/relationships" xmlns:p="http://schemas.openxmlformats.org/presentationml/2006/main">
+  <p:cSld>
+    <p:bg>
+      <p:bgPr>
+        <a:solidFill>
+          <a:schemeClr val="bg1"/>
+        </a:solidFill>
+        <a:effectLst/>
+      </p:bgPr>
+    </p:bg>
+    <p:spTree>
+      <p:nvGrpSpPr>
+        <p:cNvPr id="1" name=""/>
+        <p:cNvGrpSpPr/>
+        <p:nvPr/>
+      </p:nvGrpSpPr>
+      <p:grpSpPr>
+        <a:xfrm>
+          <a:off x="0" y="0"/>
+          <a:ext cx="0" cy="0"/>
+          <a:chOff x="0" y="0"/>
+          <a:chExt cx="0" cy="0"/>
+        </a:xfrm>
+      </p:grpSpPr>
+      <p:sp useBgFill="1">
+        <p:nvSpPr>
+          <p:cNvPr id="11" name="Rectangle 10">
+            <a:extLst>
+              <a:ext uri="{FF2B5EF4-FFF2-40B4-BE49-F238E27FC236}">
+                <a16:creationId xmlns:a16="http://schemas.microsoft.com/office/drawing/2014/main" id="{4E1BEB12-92AF-4445-98AD-4C7756E7C93B}"/>
+              </a:ext>
+              <a:ext uri="{C183D7F6-B498-43B3-948B-1728B52AA6E4}">
+                <adec:decorative xmlns:adec="http://schemas.microsoft.com/office/drawing/2017/decorative" val="1"/>
+              </a:ext>
+            </a:extLst>
+          </p:cNvPr>
+          <p:cNvSpPr>
+            <a:spLocks noGrp="1" noRot="1" noChangeAspect="1" noMove="1" noResize="1" noEditPoints="1" noAdjustHandles="1" noChangeArrowheads="1" noChangeShapeType="1" noTextEdit="1"/>
+          </p:cNvSpPr>
+          <p:nvPr>
+            <p:extLst>
+              <p:ext uri="{386F3935-93C4-4BCD-93E2-E3B085C9AB24}">
+                <p16:designElem xmlns:p16="http://schemas.microsoft.com/office/powerpoint/2015/main" val="1"/>
+              </p:ext>
+            </p:extLst>
+          </p:nvPr>
+        </p:nvSpPr>
+        <p:spPr>
+          <a:xfrm>
+            <a:off x="3048" y="0"/>
+            <a:ext cx="12188952" cy="6858000"/>
+          </a:xfrm>
+          <a:prstGeom prst="rect">
+            <a:avLst/>
+          </a:prstGeom>
+          <a:ln>
+            <a:noFill/>
+          </a:ln>
+        </p:spPr>
+        <p:style>
+          <a:lnRef idx="2">
+            <a:schemeClr val="accent1">
+              <a:shade val="50000"/>
+            </a:schemeClr>
+          </a:lnRef>
+          <a:fillRef idx="1">
+            <a:schemeClr val="accent1"/>
+          </a:fillRef>
+          <a:effectRef idx="0">
+            <a:schemeClr val="accent1"/>
+          </a:effectRef>
+          <a:fontRef idx="minor">
+            <a:schemeClr val="lt1"/>
+          </a:fontRef>
+        </p:style>
+        <p:txBody>
+          <a:bodyPr rtlCol="0" anchor="ctr"/>
+          <a:lstStyle/>
+          <a:p>
+            <a:pPr algn="ctr"/>
+            <a:endParaRPr lang="en-US"/>
+          </a:p>
+        </p:txBody>
+      </p:sp>
+      <p:sp>
+        <p:nvSpPr>
+          <p:cNvPr id="13" name="Rectangle 12">
+            <a:extLst>
+              <a:ext uri="{FF2B5EF4-FFF2-40B4-BE49-F238E27FC236}">
+                <a16:creationId xmlns:a16="http://schemas.microsoft.com/office/drawing/2014/main" id="{D0522C2C-7B5C-48A7-A969-03941E5D2E76}"/>
+              </a:ext>
+              <a:ext uri="{C183D7F6-B498-43B3-948B-1728B52AA6E4}">
+                <adec:decorative xmlns:adec="http://schemas.microsoft.com/office/drawing/2017/decorative" val="1"/>
+              </a:ext>
+            </a:extLst>
+          </p:cNvPr>
+          <p:cNvSpPr>
+            <a:spLocks noGrp="1" noRot="1" noChangeAspect="1" noMove="1" noResize="1" noEditPoints="1" noAdjustHandles="1" noChangeArrowheads="1" noChangeShapeType="1" noTextEdit="1"/>
+          </p:cNvSpPr>
+          <p:nvPr>
+            <p:extLst>
+              <p:ext uri="{386F3935-93C4-4BCD-93E2-E3B085C9AB24}">
+                <p16:designElem xmlns:p16="http://schemas.microsoft.com/office/powerpoint/2015/main" val="1"/>
+              </p:ext>
+            </p:extLst>
+          </p:nvPr>
+        </p:nvSpPr>
+        <p:spPr>
+          <a:xfrm>
+            <a:off x="0" y="0"/>
+            <a:ext cx="12192000" cy="6858000"/>
+          </a:xfrm>
+          <a:prstGeom prst="rect">
+            <a:avLst/>
+          </a:prstGeom>
+          <a:solidFill>
+            <a:schemeClr val="accent2"/>
+          </a:solidFill>
+          <a:ln>
+            <a:noFill/>
+          </a:ln>
+        </p:spPr>
+        <p:style>
+          <a:lnRef idx="2">
+            <a:schemeClr val="accent1">
+              <a:shade val="50000"/>
+            </a:schemeClr>
+          </a:lnRef>
+          <a:fillRef idx="1">
+            <a:schemeClr val="accent1"/>
+          </a:fillRef>
+          <a:effectRef idx="0">
+            <a:schemeClr val="accent1"/>
+          </a:effectRef>
+          <a:fontRef idx="minor">
+            <a:schemeClr val="lt1"/>
+          </a:fontRef>
+        </p:style>
+        <p:txBody>
+          <a:bodyPr rtlCol="0" anchor="ctr"/>
+          <a:lstStyle/>
+          <a:p>
+            <a:pPr algn="ctr"/>
+            <a:endParaRPr lang="en-US">
+              <a:solidFill>
+                <a:schemeClr val="tx1"/>
+              </a:solidFill>
+            </a:endParaRPr>
+          </a:p>
+        </p:txBody>
+      </p:sp>
+      <p:sp>
+        <p:nvSpPr>
+          <p:cNvPr id="15" name="Freeform 13">
+            <a:extLst>
+              <a:ext uri="{FF2B5EF4-FFF2-40B4-BE49-F238E27FC236}">
+                <a16:creationId xmlns:a16="http://schemas.microsoft.com/office/drawing/2014/main" id="{9C682A1A-5B2D-4111-BBD6-620165633E5B}"/>
+              </a:ext>
+              <a:ext uri="{C183D7F6-B498-43B3-948B-1728B52AA6E4}">
+                <adec:decorative xmlns:adec="http://schemas.microsoft.com/office/drawing/2017/decorative" val="1"/>
+              </a:ext>
+            </a:extLst>
+          </p:cNvPr>
+          <p:cNvSpPr>
+            <a:spLocks noGrp="1" noRot="1" noChangeAspect="1" noMove="1" noResize="1" noEditPoints="1" noAdjustHandles="1" noChangeArrowheads="1" noChangeShapeType="1" noTextEdit="1"/>
+          </p:cNvSpPr>
+          <p:nvPr>
+            <p:extLst>
+              <p:ext uri="{386F3935-93C4-4BCD-93E2-E3B085C9AB24}">
+                <p16:designElem xmlns:p16="http://schemas.microsoft.com/office/powerpoint/2015/main" val="1"/>
+              </p:ext>
+            </p:extLst>
+          </p:nvPr>
+        </p:nvSpPr>
+        <p:spPr>
+          <a:xfrm>
+            <a:off x="2769476" y="220196"/>
+            <a:ext cx="9422524" cy="6637806"/>
+          </a:xfrm>
+          <a:custGeom>
+            <a:avLst/>
+            <a:gdLst>
+              <a:gd name="connsiteX0" fmla="*/ 4929467 w 8191500"/>
+              <a:gd name="connsiteY0" fmla="*/ 0 h 5770597"/>
+              <a:gd name="connsiteX1" fmla="*/ 8065066 w 8191500"/>
+              <a:gd name="connsiteY1" fmla="*/ 1118513 h 5770597"/>
+              <a:gd name="connsiteX2" fmla="*/ 8191500 w 8191500"/>
+              <a:gd name="connsiteY2" fmla="*/ 1227339 h 5770597"/>
+              <a:gd name="connsiteX3" fmla="*/ 8191500 w 8191500"/>
+              <a:gd name="connsiteY3" fmla="*/ 5770597 h 5770597"/>
+              <a:gd name="connsiteX4" fmla="*/ 79523 w 8191500"/>
+              <a:gd name="connsiteY4" fmla="*/ 5770597 h 5770597"/>
+              <a:gd name="connsiteX5" fmla="*/ 56799 w 8191500"/>
+              <a:gd name="connsiteY5" fmla="*/ 5644158 h 5770597"/>
+              <a:gd name="connsiteX6" fmla="*/ 0 w 8191500"/>
+              <a:gd name="connsiteY6" fmla="*/ 4898209 h 5770597"/>
+              <a:gd name="connsiteX7" fmla="*/ 4929467 w 8191500"/>
+              <a:gd name="connsiteY7" fmla="*/ 0 h 5770597"/>
+            </a:gdLst>
+            <a:ahLst/>
+            <a:cxnLst>
+              <a:cxn ang="0">
+                <a:pos x="connsiteX0" y="connsiteY0"/>
+              </a:cxn>
+              <a:cxn ang="0">
+                <a:pos x="connsiteX1" y="connsiteY1"/>
+              </a:cxn>
+              <a:cxn ang="0">
+                <a:pos x="connsiteX2" y="connsiteY2"/>
+              </a:cxn>
+              <a:cxn ang="0">
+                <a:pos x="connsiteX3" y="connsiteY3"/>
+              </a:cxn>
+              <a:cxn ang="0">
+                <a:pos x="connsiteX4" y="connsiteY4"/>
+              </a:cxn>
+              <a:cxn ang="0">
+                <a:pos x="connsiteX5" y="connsiteY5"/>
+              </a:cxn>
+              <a:cxn ang="0">
+                <a:pos x="connsiteX6" y="connsiteY6"/>
+              </a:cxn>
+              <a:cxn ang="0">
+                <a:pos x="connsiteX7" y="connsiteY7"/>
+              </a:cxn>
+            </a:cxnLst>
+            <a:rect l="l" t="t" r="r" b="b"/>
+            <a:pathLst>
+              <a:path w="8191500" h="5770597">
+                <a:moveTo>
+                  <a:pt x="4929467" y="0"/>
+                </a:moveTo>
+                <a:cubicBezTo>
+                  <a:pt x="6120547" y="0"/>
+                  <a:pt x="7212963" y="419755"/>
+                  <a:pt x="8065066" y="1118513"/>
+                </a:cubicBezTo>
+                <a:lnTo>
+                  <a:pt x="8191500" y="1227339"/>
+                </a:lnTo>
+                <a:lnTo>
+                  <a:pt x="8191500" y="5770597"/>
+                </a:lnTo>
+                <a:lnTo>
+                  <a:pt x="79523" y="5770597"/>
+                </a:lnTo>
+                <a:lnTo>
+                  <a:pt x="56799" y="5644158"/>
+                </a:lnTo>
+                <a:cubicBezTo>
+                  <a:pt x="19398" y="5400934"/>
+                  <a:pt x="0" y="5151822"/>
+                  <a:pt x="0" y="4898209"/>
+                </a:cubicBezTo>
+                <a:cubicBezTo>
+                  <a:pt x="0" y="2193003"/>
+                  <a:pt x="2206998" y="0"/>
+                  <a:pt x="4929467" y="0"/>
+                </a:cubicBezTo>
+                <a:close/>
+              </a:path>
+            </a:pathLst>
+          </a:custGeom>
+          <a:solidFill>
+            <a:schemeClr val="bg1"/>
+          </a:solidFill>
+          <a:ln>
+            <a:noFill/>
+          </a:ln>
+        </p:spPr>
+        <p:style>
+          <a:lnRef idx="2">
+            <a:schemeClr val="accent1">
+              <a:shade val="50000"/>
+            </a:schemeClr>
+          </a:lnRef>
+          <a:fillRef idx="1">
+            <a:schemeClr val="accent1"/>
+          </a:fillRef>
+          <a:effectRef idx="0">
+            <a:schemeClr val="accent1"/>
+          </a:effectRef>
+          <a:fontRef idx="minor">
+            <a:schemeClr val="lt1"/>
+          </a:fontRef>
+        </p:style>
+        <p:txBody>
+          <a:bodyPr wrap="square" rtlCol="0" anchor="ctr">
+            <a:noAutofit/>
+          </a:bodyPr>
+          <a:lstStyle/>
+          <a:p>
+            <a:pPr marL="0" marR="0" lvl="0" indent="0" algn="ctr" defTabSz="914400" rtl="0" eaLnBrk="1" fontAlgn="auto" latinLnBrk="0" hangingPunct="1">
+              <a:lnSpc>
+                <a:spcPct val="100000"/>
+              </a:lnSpc>
+              <a:spcBef>
+                <a:spcPts val="0"/>
+              </a:spcBef>
+              <a:spcAft>
+                <a:spcPts val="0"/>
+              </a:spcAft>
+              <a:buClrTx/>
+              <a:buSzTx/>
+              <a:buFontTx/>
+              <a:buNone/>
+              <a:tabLst/>
+              <a:defRPr/>
+            </a:pPr>
+            <a:endParaRPr kumimoji="0" lang="en-US" sz="1800" b="0" i="0" u="none" strike="noStrike" kern="1200" cap="none" spc="0" normalizeH="0" baseline="0" noProof="0">
+              <a:ln>
+                <a:noFill/>
+              </a:ln>
+              <a:solidFill>
+                <a:srgbClr val="FFFFFF"/>
+              </a:solidFill>
+              <a:effectLst/>
+              <a:uLnTx/>
+              <a:uFillTx/>
+              <a:latin typeface="Calibri" panose="020F0502020204030204"/>
+              <a:ea typeface="+mn-ea"/>
+              <a:cs typeface="+mn-cs"/>
+            </a:endParaRPr>
+          </a:p>
+        </p:txBody>
+      </p:sp>
+      <p:sp>
+        <p:nvSpPr>
+          <p:cNvPr id="24" name="Oval 23">
+            <a:extLst>
+              <a:ext uri="{FF2B5EF4-FFF2-40B4-BE49-F238E27FC236}">
+                <a16:creationId xmlns:a16="http://schemas.microsoft.com/office/drawing/2014/main" id="{D6EE29F2-D77F-4BD0-A20B-334D316A1C9D}"/>
+              </a:ext>
+              <a:ext uri="{C183D7F6-B498-43B3-948B-1728B52AA6E4}">
+                <adec:decorative xmlns:adec="http://schemas.microsoft.com/office/drawing/2017/decorative" val="1"/>
+              </a:ext>
+            </a:extLst>
+          </p:cNvPr>
+          <p:cNvSpPr>
+            <a:spLocks noGrp="1" noRot="1" noChangeAspect="1" noMove="1" noResize="1" noEditPoints="1" noAdjustHandles="1" noChangeArrowheads="1" noChangeShapeType="1" noTextEdit="1"/>
+          </p:cNvSpPr>
+          <p:nvPr>
+            <p:extLst>
+              <p:ext uri="{386F3935-93C4-4BCD-93E2-E3B085C9AB24}">
+                <p16:designElem xmlns:p16="http://schemas.microsoft.com/office/powerpoint/2015/main" val="1"/>
+              </p:ext>
+            </p:extLst>
+          </p:nvPr>
+        </p:nvSpPr>
+        <p:spPr>
+          <a:xfrm>
+            <a:off x="2209800" y="2099696"/>
+            <a:ext cx="1942241" cy="1889551"/>
+          </a:xfrm>
+          <a:prstGeom prst="ellipse">
+            <a:avLst/>
+          </a:prstGeom>
+          <a:solidFill>
+            <a:schemeClr val="accent4"/>
+          </a:solidFill>
+          <a:ln>
+            <a:noFill/>
+          </a:ln>
+        </p:spPr>
+        <p:style>
+          <a:lnRef idx="2">
+            <a:schemeClr val="accent1">
+              <a:shade val="50000"/>
+            </a:schemeClr>
+          </a:lnRef>
+          <a:fillRef idx="1">
+            <a:schemeClr val="accent1"/>
+          </a:fillRef>
+          <a:effectRef idx="0">
+            <a:schemeClr val="accent1"/>
+          </a:effectRef>
+          <a:fontRef idx="minor">
+            <a:schemeClr val="lt1"/>
+          </a:fontRef>
+        </p:style>
+        <p:txBody>
+          <a:bodyPr rtlCol="0" anchor="ctr"/>
+          <a:lstStyle/>
+          <a:p>
+            <a:pPr marL="0" marR="0" lvl="0" indent="0" algn="ctr" defTabSz="914400" rtl="0" eaLnBrk="1" fontAlgn="auto" latinLnBrk="0" hangingPunct="1">
+              <a:lnSpc>
+                <a:spcPct val="100000"/>
+              </a:lnSpc>
+              <a:spcBef>
+                <a:spcPts val="0"/>
+              </a:spcBef>
+              <a:spcAft>
+                <a:spcPts val="0"/>
+              </a:spcAft>
+              <a:buClrTx/>
+              <a:buSzTx/>
+              <a:buFontTx/>
+              <a:buNone/>
+              <a:tabLst/>
+              <a:defRPr/>
+            </a:pPr>
+            <a:endParaRPr kumimoji="0" lang="en-US" sz="1800" b="0" i="0" u="none" strike="noStrike" kern="1200" cap="none" spc="0" normalizeH="0" baseline="0" noProof="0">
+              <a:ln>
+                <a:noFill/>
+              </a:ln>
+              <a:solidFill>
+                <a:srgbClr val="FFFFFF"/>
+              </a:solidFill>
+              <a:effectLst/>
+              <a:uLnTx/>
+              <a:uFillTx/>
+              <a:latin typeface="Calibri" panose="020F0502020204030204"/>
+              <a:ea typeface="+mn-ea"/>
+              <a:cs typeface="+mn-cs"/>
+            </a:endParaRPr>
+          </a:p>
+        </p:txBody>
+      </p:sp>
+      <p:sp>
+        <p:nvSpPr>
+          <p:cNvPr id="25" name="Arc 24">
+            <a:extLst>
+              <a:ext uri="{FF2B5EF4-FFF2-40B4-BE49-F238E27FC236}">
+                <a16:creationId xmlns:a16="http://schemas.microsoft.com/office/drawing/2014/main" id="{22D09ED2-868F-42C6-866E-F92E0CEF314F}"/>
+              </a:ext>
+              <a:ext uri="{C183D7F6-B498-43B3-948B-1728B52AA6E4}">
+                <adec:decorative xmlns:adec="http://schemas.microsoft.com/office/drawing/2017/decorative" val="1"/>
+              </a:ext>
+            </a:extLst>
+          </p:cNvPr>
+          <p:cNvSpPr>
+            <a:spLocks noGrp="1" noRot="1" noChangeAspect="1" noMove="1" noResize="1" noEditPoints="1" noAdjustHandles="1" noChangeArrowheads="1" noChangeShapeType="1" noTextEdit="1"/>
+          </p:cNvSpPr>
+          <p:nvPr>
+            <p:extLst>
+              <p:ext uri="{386F3935-93C4-4BCD-93E2-E3B085C9AB24}">
+                <p16:designElem xmlns:p16="http://schemas.microsoft.com/office/powerpoint/2015/main" val="1"/>
+              </p:ext>
+            </p:extLst>
+          </p:nvPr>
+        </p:nvSpPr>
+        <p:spPr>
+          <a:xfrm rot="18520172">
+            <a:off x="1613162" y="1492572"/>
+            <a:ext cx="2987899" cy="2987899"/>
+          </a:xfrm>
+          <a:prstGeom prst="arc">
+            <a:avLst>
+              <a:gd name="adj1" fmla="val 14455503"/>
+              <a:gd name="adj2" fmla="val 227775"/>
+            </a:avLst>
+          </a:prstGeom>
+          <a:ln w="127000" cap="rnd">
+            <a:solidFill>
+              <a:schemeClr val="accent4"/>
+            </a:solidFill>
+            <a:prstDash val="dash"/>
+            <a:miter lim="800000"/>
+          </a:ln>
+        </p:spPr>
+        <p:style>
+          <a:lnRef idx="1">
+            <a:schemeClr val="accent1"/>
+          </a:lnRef>
+          <a:fillRef idx="0">
+            <a:schemeClr val="accent1"/>
+          </a:fillRef>
+          <a:effectRef idx="0">
+            <a:schemeClr val="accent1"/>
+          </a:effectRef>
+          <a:fontRef idx="minor">
+            <a:schemeClr val="tx1"/>
+          </a:fontRef>
+        </p:style>
+        <p:txBody>
+          <a:bodyPr rtlCol="0" anchor="ctr"/>
+          <a:lstStyle/>
+          <a:p>
+            <a:pPr marL="0" marR="0" lvl="0" indent="0" algn="ctr" defTabSz="914400" rtl="0" eaLnBrk="1" fontAlgn="auto" latinLnBrk="0" hangingPunct="1">
+              <a:lnSpc>
+                <a:spcPct val="100000"/>
+              </a:lnSpc>
+              <a:spcBef>
+                <a:spcPts val="0"/>
+              </a:spcBef>
+              <a:spcAft>
+                <a:spcPts val="0"/>
+              </a:spcAft>
+              <a:buClrTx/>
+              <a:buSzTx/>
+              <a:buFontTx/>
+              <a:buNone/>
+              <a:tabLst/>
+              <a:defRPr/>
+            </a:pPr>
+            <a:endParaRPr kumimoji="0" lang="en-US" sz="1800" b="0" i="0" u="none" strike="noStrike" kern="1200" cap="none" spc="0" normalizeH="0" baseline="0" noProof="0">
+              <a:ln>
+                <a:noFill/>
+              </a:ln>
+              <a:solidFill>
+                <a:srgbClr val="000000"/>
+              </a:solidFill>
+              <a:effectLst/>
+              <a:uLnTx/>
+              <a:uFillTx/>
+              <a:latin typeface="Calibri" panose="020F0502020204030204"/>
+              <a:ea typeface="+mn-ea"/>
+              <a:cs typeface="+mn-cs"/>
+            </a:endParaRPr>
+          </a:p>
+        </p:txBody>
+      </p:sp>
+      <p:sp>
+        <p:nvSpPr>
+          <p:cNvPr id="5" name="TextBox 4">
+            <a:extLst>
+              <a:ext uri="{FF2B5EF4-FFF2-40B4-BE49-F238E27FC236}">
+                <a16:creationId xmlns:a16="http://schemas.microsoft.com/office/drawing/2014/main" id="{6EF2F32D-C0E1-A626-53A0-BE7142253727}"/>
+              </a:ext>
+            </a:extLst>
+          </p:cNvPr>
+          <p:cNvSpPr txBox="1"/>
+          <p:nvPr/>
+        </p:nvSpPr>
+        <p:spPr>
+          <a:xfrm>
+            <a:off x="4038600" y="1939159"/>
+            <a:ext cx="7644627" cy="2751086"/>
+          </a:xfrm>
+          <a:prstGeom prst="rect">
+            <a:avLst/>
+          </a:prstGeom>
+        </p:spPr>
+        <p:txBody>
+          <a:bodyPr vert="horz" lIns="91440" tIns="45720" rIns="91440" bIns="45720" rtlCol="0" anchor="b">
+            <a:normAutofit/>
+          </a:bodyPr>
+          <a:lstStyle/>
+          <a:p>
+            <a:pPr algn="r">
+              <a:lnSpc>
+                <a:spcPct val="90000"/>
+              </a:lnSpc>
+              <a:spcBef>
+                <a:spcPct val="0"/>
+              </a:spcBef>
+              <a:spcAft>
+                <a:spcPts val="600"/>
+              </a:spcAft>
+            </a:pPr>
+            <a:r>
+              <a:rPr lang="en-US" sz="6000" kern="1200">
+                <a:solidFill>
+                  <a:schemeClr val="tx1"/>
+                </a:solidFill>
+                <a:latin typeface="+mj-lt"/>
+                <a:ea typeface="+mj-ea"/>
+                <a:cs typeface="+mj-cs"/>
+              </a:rPr>
+              <a:t>Thank you</a:t>
+            </a:r>
+          </a:p>
+        </p:txBody>
+      </p:sp>
+      <p:sp>
+        <p:nvSpPr>
+          <p:cNvPr id="6" name="TextBox 5">
+            <a:extLst>
+              <a:ext uri="{FF2B5EF4-FFF2-40B4-BE49-F238E27FC236}">
+                <a16:creationId xmlns:a16="http://schemas.microsoft.com/office/drawing/2014/main" id="{2AE8B4AA-5E58-BF7F-AB99-B83E803E2248}"/>
+              </a:ext>
+            </a:extLst>
+          </p:cNvPr>
+          <p:cNvSpPr txBox="1"/>
+          <p:nvPr/>
+        </p:nvSpPr>
+        <p:spPr>
+          <a:xfrm>
+            <a:off x="4038600" y="4782320"/>
+            <a:ext cx="7644627" cy="1329443"/>
+          </a:xfrm>
+          <a:prstGeom prst="rect">
+            <a:avLst/>
+          </a:prstGeom>
+        </p:spPr>
+        <p:txBody>
+          <a:bodyPr vert="horz" lIns="91440" tIns="45720" rIns="91440" bIns="45720" rtlCol="0">
+            <a:normAutofit/>
+          </a:bodyPr>
+          <a:lstStyle/>
+          <a:p>
+            <a:pPr algn="r">
+              <a:lnSpc>
+                <a:spcPct val="90000"/>
+              </a:lnSpc>
+              <a:spcBef>
+                <a:spcPts val="1000"/>
+              </a:spcBef>
+            </a:pPr>
+            <a:r>
+              <a:rPr lang="en-US" sz="2400" kern="1200" dirty="0">
+                <a:solidFill>
+                  <a:schemeClr val="tx1"/>
+                </a:solidFill>
+                <a:latin typeface="+mn-lt"/>
+                <a:ea typeface="+mn-ea"/>
+                <a:cs typeface="+mn-cs"/>
+              </a:rPr>
+              <a:t>Let’s practice and build something ?</a:t>
+            </a:r>
+          </a:p>
+        </p:txBody>
+      </p:sp>
+    </p:spTree>
+    <p:extLst>
+      <p:ext uri="{BB962C8B-B14F-4D97-AF65-F5344CB8AC3E}">
+        <p14:creationId xmlns:p14="http://schemas.microsoft.com/office/powerpoint/2010/main" val="1789893576"/>
+      </p:ext>
+    </p:extLst>
   </p:cSld>
   <p:clrMapOvr>
     <a:masterClrMapping/>
@@ -14988,7 +16713,6 @@
               <a:rPr lang="en-US" sz="2000" dirty="0"/>
               <a:t> — it defines what kind of data is stored and how you can use it.</a:t>
             </a:r>
-            <a:endParaRPr lang="en-US" sz="2000"/>
           </a:p>
         </p:txBody>
       </p:sp>
@@ -16102,14 +17826,14 @@
           <p:nvPr>
             <p:extLst>
               <p:ext uri="{D42A27DB-BD31-4B8C-83A1-F6EECF244321}">
-                <p14:modId xmlns:p14="http://schemas.microsoft.com/office/powerpoint/2010/main" val="608812464"/>
+                <p14:modId xmlns:p14="http://schemas.microsoft.com/office/powerpoint/2010/main" val="4211680370"/>
               </p:ext>
             </p:extLst>
           </p:nvPr>
         </p:nvGraphicFramePr>
         <p:xfrm>
-          <a:off x="643467" y="1052466"/>
-          <a:ext cx="10905068" cy="4753071"/>
+          <a:off x="2306533" y="2210599"/>
+          <a:ext cx="7884544" cy="4144665"/>
         </p:xfrm>
         <a:graphic>
           <a:graphicData uri="http://schemas.openxmlformats.org/drawingml/2006/table">
@@ -16118,21 +17842,21 @@
                 <a:tableStyleId>{21E4AEA4-8DFA-4A89-87EB-49C32662AFE0}</a:tableStyleId>
               </a:tblPr>
               <a:tblGrid>
-                <a:gridCol w="1316414">
+                <a:gridCol w="951789">
                   <a:extLst>
                     <a:ext uri="{9D8B030D-6E8A-4147-A177-3AD203B41FA5}">
                       <a16:colId xmlns:a16="http://schemas.microsoft.com/office/drawing/2014/main" val="3082804557"/>
                     </a:ext>
                   </a:extLst>
                 </a:gridCol>
-                <a:gridCol w="5282157">
+                <a:gridCol w="3819087">
                   <a:extLst>
                     <a:ext uri="{9D8B030D-6E8A-4147-A177-3AD203B41FA5}">
                       <a16:colId xmlns:a16="http://schemas.microsoft.com/office/drawing/2014/main" val="732380937"/>
                     </a:ext>
                   </a:extLst>
                 </a:gridCol>
-                <a:gridCol w="4306497">
+                <a:gridCol w="3113668">
                   <a:extLst>
                     <a:ext uri="{9D8B030D-6E8A-4147-A177-3AD203B41FA5}">
                       <a16:colId xmlns:a16="http://schemas.microsoft.com/office/drawing/2014/main" val="3566247777"/>
@@ -16140,7 +17864,7 @@
                   </a:extLst>
                 </a:gridCol>
               </a:tblGrid>
-              <a:tr h="615103">
+              <a:tr h="472802">
                 <a:tc>
                   <a:txBody>
                     <a:bodyPr/>
@@ -16150,9 +17874,10 @@
                         <a:buNone/>
                       </a:pPr>
                       <a:r>
-                        <a:rPr lang="en-IN" sz="2800"/>
+                        <a:rPr lang="en-IN" sz="1800"/>
                         <a:t>Type</a:t>
                       </a:r>
+                      <a:endParaRPr lang="en-IN" sz="1800" dirty="0"/>
                     </a:p>
                   </a:txBody>
                   <a:tcPr marL="139796" marR="139796" marT="69898" marB="69898" anchor="ctr"/>
@@ -16166,9 +17891,10 @@
                         <a:buNone/>
                       </a:pPr>
                       <a:r>
-                        <a:rPr lang="en-IN" sz="2800"/>
+                        <a:rPr lang="en-IN" sz="1800"/>
                         <a:t>Example</a:t>
                       </a:r>
+                      <a:endParaRPr lang="en-IN" sz="1800" dirty="0"/>
                     </a:p>
                   </a:txBody>
                   <a:tcPr marL="139796" marR="139796" marT="69898" marB="69898" anchor="ctr"/>
@@ -16182,7 +17908,7 @@
                         <a:buNone/>
                       </a:pPr>
                       <a:r>
-                        <a:rPr lang="en-IN" sz="2800"/>
+                        <a:rPr lang="en-IN" sz="1800"/>
                         <a:t>Description</a:t>
                       </a:r>
                     </a:p>
@@ -16195,7 +17921,7 @@
                   </a:ext>
                 </a:extLst>
               </a:tr>
-              <a:tr h="1034492">
+              <a:tr h="828933">
                 <a:tc>
                   <a:txBody>
                     <a:bodyPr/>
@@ -16205,10 +17931,10 @@
                         <a:buNone/>
                       </a:pPr>
                       <a:r>
-                        <a:rPr lang="en-IN" sz="2800" b="1"/>
+                        <a:rPr lang="en-IN" sz="1800" b="1"/>
                         <a:t>list</a:t>
                       </a:r>
-                      <a:endParaRPr lang="en-IN" sz="2800"/>
+                      <a:endParaRPr lang="en-IN" sz="1800"/>
                     </a:p>
                   </a:txBody>
                   <a:tcPr marL="139796" marR="139796" marT="69898" marB="69898" anchor="ctr"/>
@@ -16222,12 +17948,12 @@
                         <a:buNone/>
                       </a:pPr>
                       <a:r>
-                        <a:rPr lang="en-IN" sz="2800" dirty="0">
+                        <a:rPr lang="en-IN" sz="1800">
                           <a:latin typeface="Courier New" panose="02070309020205020404" pitchFamily="49" charset="0"/>
                         </a:rPr>
                         <a:t>fruits = [“AXL", “MAPK1", “PAK1"]</a:t>
                       </a:r>
-                      <a:endParaRPr lang="en-IN" sz="2800" dirty="0"/>
+                      <a:endParaRPr lang="en-IN" sz="1800" dirty="0"/>
                     </a:p>
                   </a:txBody>
                   <a:tcPr marL="139796" marR="139796" marT="69898" marB="69898" anchor="ctr"/>
@@ -16241,7 +17967,7 @@
                         <a:buNone/>
                       </a:pPr>
                       <a:r>
-                        <a:rPr lang="en-IN" sz="2800"/>
+                        <a:rPr lang="en-IN" sz="1800"/>
                         <a:t>Ordered, changeable collection</a:t>
                       </a:r>
                     </a:p>
@@ -16254,7 +17980,7 @@
                   </a:ext>
                 </a:extLst>
               </a:tr>
-              <a:tr h="1034492">
+              <a:tr h="1185064">
                 <a:tc>
                   <a:txBody>
                     <a:bodyPr/>
@@ -16264,10 +17990,10 @@
                         <a:buNone/>
                       </a:pPr>
                       <a:r>
-                        <a:rPr lang="en-IN" sz="2800" b="1"/>
+                        <a:rPr lang="en-IN" sz="1800" b="1"/>
                         <a:t>tuple</a:t>
                       </a:r>
-                      <a:endParaRPr lang="en-IN" sz="2800"/>
+                      <a:endParaRPr lang="en-IN" sz="1800" dirty="0"/>
                     </a:p>
                   </a:txBody>
                   <a:tcPr marL="139796" marR="139796" marT="69898" marB="69898" anchor="ctr"/>
@@ -16281,12 +18007,12 @@
                         <a:buNone/>
                       </a:pPr>
                       <a:r>
-                        <a:rPr lang="en-IN" sz="2800">
+                        <a:rPr lang="en-IN" sz="1800">
                           <a:latin typeface="Courier New" panose="02070309020205020404" pitchFamily="49" charset="0"/>
                         </a:rPr>
                         <a:t>point = (10, 20)</a:t>
                       </a:r>
-                      <a:endParaRPr lang="en-IN" sz="2800"/>
+                      <a:endParaRPr lang="en-IN" sz="1800"/>
                     </a:p>
                   </a:txBody>
                   <a:tcPr marL="139796" marR="139796" marT="69898" marB="69898" anchor="ctr"/>
@@ -16300,15 +18026,15 @@
                         <a:buNone/>
                       </a:pPr>
                       <a:r>
-                        <a:rPr lang="en-IN" sz="2800"/>
+                        <a:rPr lang="en-IN" sz="1800"/>
                         <a:t>Ordered, </a:t>
                       </a:r>
                       <a:r>
-                        <a:rPr lang="en-IN" sz="2800" b="1"/>
+                        <a:rPr lang="en-IN" sz="1800" b="1"/>
                         <a:t>unchangeable</a:t>
                       </a:r>
                       <a:r>
-                        <a:rPr lang="en-IN" sz="2800"/>
+                        <a:rPr lang="en-IN" sz="1800"/>
                         <a:t> collection</a:t>
                       </a:r>
                     </a:p>
@@ -16321,7 +18047,7 @@
                   </a:ext>
                 </a:extLst>
               </a:tr>
-              <a:tr h="1034492">
+              <a:tr h="828933">
                 <a:tc>
                   <a:txBody>
                     <a:bodyPr/>
@@ -16331,10 +18057,10 @@
                         <a:buNone/>
                       </a:pPr>
                       <a:r>
-                        <a:rPr lang="en-IN" sz="2800" b="1"/>
+                        <a:rPr lang="en-IN" sz="1800" b="1"/>
                         <a:t>set</a:t>
                       </a:r>
-                      <a:endParaRPr lang="en-IN" sz="2800"/>
+                      <a:endParaRPr lang="en-IN" sz="1800"/>
                     </a:p>
                   </a:txBody>
                   <a:tcPr marL="139796" marR="139796" marT="69898" marB="69898" anchor="ctr"/>
@@ -16348,18 +18074,12 @@
                         <a:buNone/>
                       </a:pPr>
                       <a:r>
-                        <a:rPr lang="fr-FR" sz="2800" dirty="0" err="1">
+                        <a:rPr lang="fr-FR" sz="1800">
                           <a:latin typeface="Courier New" panose="02070309020205020404" pitchFamily="49" charset="0"/>
                         </a:rPr>
-                        <a:t>unique_nums</a:t>
+                        <a:t>unique_nums = {1, 2, 3}</a:t>
                       </a:r>
-                      <a:r>
-                        <a:rPr lang="fr-FR" sz="2800" dirty="0">
-                          <a:latin typeface="Courier New" panose="02070309020205020404" pitchFamily="49" charset="0"/>
-                        </a:rPr>
-                        <a:t> = {1, 2, 3}</a:t>
-                      </a:r>
-                      <a:endParaRPr lang="fr-FR" sz="2800" dirty="0"/>
+                      <a:endParaRPr lang="fr-FR" sz="1800" dirty="0"/>
                     </a:p>
                   </a:txBody>
                   <a:tcPr marL="139796" marR="139796" marT="69898" marB="69898" anchor="ctr"/>
@@ -16373,17 +18093,18 @@
                         <a:buNone/>
                       </a:pPr>
                       <a:r>
-                        <a:rPr lang="en-IN" sz="2800" dirty="0"/>
+                        <a:rPr lang="en-IN" sz="1800"/>
                         <a:t>Unordered, </a:t>
                       </a:r>
                       <a:r>
-                        <a:rPr lang="en-IN" sz="2800" b="1" dirty="0"/>
+                        <a:rPr lang="en-IN" sz="1800" b="1"/>
                         <a:t>unique</a:t>
                       </a:r>
                       <a:r>
-                        <a:rPr lang="en-IN" sz="2800" dirty="0"/>
+                        <a:rPr lang="en-IN" sz="1800"/>
                         <a:t> elements</a:t>
                       </a:r>
+                      <a:endParaRPr lang="en-IN" sz="1800" dirty="0"/>
                     </a:p>
                   </a:txBody>
                   <a:tcPr marL="139796" marR="139796" marT="69898" marB="69898" anchor="ctr"/>
@@ -16394,7 +18115,7 @@
                   </a:ext>
                 </a:extLst>
               </a:tr>
-              <a:tr h="1034492">
+              <a:tr h="828933">
                 <a:tc>
                   <a:txBody>
                     <a:bodyPr/>
@@ -16404,10 +18125,10 @@
                         <a:buNone/>
                       </a:pPr>
                       <a:r>
-                        <a:rPr lang="en-IN" sz="2800" b="1"/>
+                        <a:rPr lang="en-IN" sz="1800" b="1"/>
                         <a:t>dict</a:t>
                       </a:r>
-                      <a:endParaRPr lang="en-IN" sz="2800"/>
+                      <a:endParaRPr lang="en-IN" sz="1800"/>
                     </a:p>
                   </a:txBody>
                   <a:tcPr marL="139796" marR="139796" marT="69898" marB="69898" anchor="ctr"/>
@@ -16421,12 +18142,12 @@
                         <a:buNone/>
                       </a:pPr>
                       <a:r>
-                        <a:rPr lang="en-GB" sz="2800">
+                        <a:rPr lang="en-GB" sz="1800">
                           <a:latin typeface="Courier New" panose="02070309020205020404" pitchFamily="49" charset="0"/>
                         </a:rPr>
                         <a:t>person = {"name": “Tom", "age": 22}</a:t>
                       </a:r>
-                      <a:endParaRPr lang="en-GB" sz="2800"/>
+                      <a:endParaRPr lang="en-GB" sz="1800"/>
                     </a:p>
                   </a:txBody>
                   <a:tcPr marL="139796" marR="139796" marT="69898" marB="69898" anchor="ctr"/>
@@ -16440,9 +18161,10 @@
                         <a:buNone/>
                       </a:pPr>
                       <a:r>
-                        <a:rPr lang="en-IN" sz="2800" dirty="0"/>
+                        <a:rPr lang="en-IN" sz="1800"/>
                         <a:t>Key–value pairs</a:t>
                       </a:r>
+                      <a:endParaRPr lang="en-IN" sz="1800" dirty="0"/>
                     </a:p>
                   </a:txBody>
                   <a:tcPr marL="139796" marR="139796" marT="69898" marB="69898" anchor="ctr"/>
@@ -16457,6 +18179,57 @@
           </a:graphicData>
         </a:graphic>
       </p:graphicFrame>
+      <p:sp>
+        <p:nvSpPr>
+          <p:cNvPr id="2" name="TextBox 1">
+            <a:extLst>
+              <a:ext uri="{FF2B5EF4-FFF2-40B4-BE49-F238E27FC236}">
+                <a16:creationId xmlns:a16="http://schemas.microsoft.com/office/drawing/2014/main" id="{4255DA4B-4D3C-6547-F897-08B88F67E905}"/>
+              </a:ext>
+            </a:extLst>
+          </p:cNvPr>
+          <p:cNvSpPr txBox="1"/>
+          <p:nvPr/>
+        </p:nvSpPr>
+        <p:spPr>
+          <a:xfrm>
+            <a:off x="4642338" y="458645"/>
+            <a:ext cx="5121915" cy="1200329"/>
+          </a:xfrm>
+          <a:prstGeom prst="rect">
+            <a:avLst/>
+          </a:prstGeom>
+          <a:noFill/>
+        </p:spPr>
+        <p:txBody>
+          <a:bodyPr wrap="none" rtlCol="0">
+            <a:spAutoFit/>
+          </a:bodyPr>
+          <a:lstStyle/>
+          <a:p>
+            <a:r>
+              <a:rPr lang="en-US" b="1" dirty="0"/>
+              <a:t>What are Data Structures ? </a:t>
+            </a:r>
+            <a:br>
+              <a:rPr lang="en-US" dirty="0"/>
+            </a:br>
+            <a:r>
+              <a:rPr lang="en-US" dirty="0"/>
+              <a:t>Data structure is a way of organizing information</a:t>
+            </a:r>
+          </a:p>
+          <a:p>
+            <a:r>
+              <a:rPr lang="en-US" dirty="0"/>
+              <a:t>(i.e.: collecting the data) </a:t>
+            </a:r>
+          </a:p>
+          <a:p>
+            <a:endParaRPr lang="en-IN" dirty="0"/>
+          </a:p>
+        </p:txBody>
+      </p:sp>
     </p:spTree>
     <p:extLst>
       <p:ext uri="{BB962C8B-B14F-4D97-AF65-F5344CB8AC3E}">
@@ -17146,7 +18919,7 @@
                         <a:buNone/>
                       </a:pPr>
                       <a:r>
-                        <a:rPr lang="en-IN" sz="1200"/>
+                        <a:rPr lang="en-IN" sz="1200" dirty="0"/>
                         <a:t>Exponentiation</a:t>
                       </a:r>
                     </a:p>
@@ -17723,12 +19496,12 @@
                         <a:buNone/>
                       </a:pPr>
                       <a:r>
-                        <a:rPr lang="en-IN" sz="1200">
+                        <a:rPr lang="en-IN" sz="1200" dirty="0">
                           <a:latin typeface="Courier New" panose="02070309020205020404" pitchFamily="49" charset="0"/>
                         </a:rPr>
                         <a:t>&lt;=</a:t>
                       </a:r>
-                      <a:endParaRPr lang="en-IN" sz="1200"/>
+                      <a:endParaRPr lang="en-IN" sz="1200" dirty="0"/>
                     </a:p>
                   </a:txBody>
                   <a:tcPr anchor="ctr"/>
@@ -17797,6 +19570,76 @@
           </a:graphicData>
         </a:graphic>
       </p:graphicFrame>
+      <p:sp>
+        <p:nvSpPr>
+          <p:cNvPr id="2" name="TextBox 1">
+            <a:extLst>
+              <a:ext uri="{FF2B5EF4-FFF2-40B4-BE49-F238E27FC236}">
+                <a16:creationId xmlns:a16="http://schemas.microsoft.com/office/drawing/2014/main" id="{C8EBC9C6-D9FF-B90C-39D3-AD55BF0067AB}"/>
+              </a:ext>
+            </a:extLst>
+          </p:cNvPr>
+          <p:cNvSpPr txBox="1"/>
+          <p:nvPr/>
+        </p:nvSpPr>
+        <p:spPr>
+          <a:xfrm>
+            <a:off x="451690" y="382555"/>
+            <a:ext cx="2300630" cy="369332"/>
+          </a:xfrm>
+          <a:prstGeom prst="rect">
+            <a:avLst/>
+          </a:prstGeom>
+          <a:noFill/>
+        </p:spPr>
+        <p:txBody>
+          <a:bodyPr wrap="none" rtlCol="0">
+            <a:spAutoFit/>
+          </a:bodyPr>
+          <a:lstStyle/>
+          <a:p>
+            <a:r>
+              <a:rPr lang="en-IN" dirty="0"/>
+              <a:t>Arithmetic Operators</a:t>
+            </a:r>
+          </a:p>
+        </p:txBody>
+      </p:sp>
+      <p:sp>
+        <p:nvSpPr>
+          <p:cNvPr id="3" name="TextBox 2">
+            <a:extLst>
+              <a:ext uri="{FF2B5EF4-FFF2-40B4-BE49-F238E27FC236}">
+                <a16:creationId xmlns:a16="http://schemas.microsoft.com/office/drawing/2014/main" id="{D5C9C71B-1709-D602-CF72-108CEF88175A}"/>
+              </a:ext>
+            </a:extLst>
+          </p:cNvPr>
+          <p:cNvSpPr txBox="1"/>
+          <p:nvPr/>
+        </p:nvSpPr>
+        <p:spPr>
+          <a:xfrm>
+            <a:off x="6181249" y="382555"/>
+            <a:ext cx="2518638" cy="369332"/>
+          </a:xfrm>
+          <a:prstGeom prst="rect">
+            <a:avLst/>
+          </a:prstGeom>
+          <a:noFill/>
+        </p:spPr>
+        <p:txBody>
+          <a:bodyPr wrap="none" rtlCol="0">
+            <a:spAutoFit/>
+          </a:bodyPr>
+          <a:lstStyle/>
+          <a:p>
+            <a:r>
+              <a:rPr lang="en-IN" dirty="0"/>
+              <a:t>Comparison Operators</a:t>
+            </a:r>
+          </a:p>
+        </p:txBody>
+      </p:sp>
     </p:spTree>
     <p:extLst>
       <p:ext uri="{BB962C8B-B14F-4D97-AF65-F5344CB8AC3E}">
@@ -18311,12 +20154,12 @@
                         <a:buNone/>
                       </a:pPr>
                       <a:r>
-                        <a:rPr lang="en-IN">
+                        <a:rPr lang="en-IN" dirty="0">
                           <a:latin typeface="Courier New" panose="02070309020205020404" pitchFamily="49" charset="0"/>
                         </a:rPr>
                         <a:t>in</a:t>
                       </a:r>
-                      <a:endParaRPr lang="en-IN"/>
+                      <a:endParaRPr lang="en-IN" dirty="0"/>
                     </a:p>
                   </a:txBody>
                   <a:tcPr anchor="ctr"/>
@@ -18549,6 +20392,76 @@
           </a:graphicData>
         </a:graphic>
       </p:graphicFrame>
+      <p:sp>
+        <p:nvSpPr>
+          <p:cNvPr id="2" name="TextBox 1">
+            <a:extLst>
+              <a:ext uri="{FF2B5EF4-FFF2-40B4-BE49-F238E27FC236}">
+                <a16:creationId xmlns:a16="http://schemas.microsoft.com/office/drawing/2014/main" id="{23071A73-A775-4DFE-32BB-D3D00256FAD2}"/>
+              </a:ext>
+            </a:extLst>
+          </p:cNvPr>
+          <p:cNvSpPr txBox="1"/>
+          <p:nvPr/>
+        </p:nvSpPr>
+        <p:spPr>
+          <a:xfrm>
+            <a:off x="434553" y="895739"/>
+            <a:ext cx="2005677" cy="369332"/>
+          </a:xfrm>
+          <a:prstGeom prst="rect">
+            <a:avLst/>
+          </a:prstGeom>
+          <a:noFill/>
+        </p:spPr>
+        <p:txBody>
+          <a:bodyPr wrap="none" rtlCol="0">
+            <a:spAutoFit/>
+          </a:bodyPr>
+          <a:lstStyle/>
+          <a:p>
+            <a:r>
+              <a:rPr lang="en-IN" dirty="0"/>
+              <a:t>Logical Operators</a:t>
+            </a:r>
+          </a:p>
+        </p:txBody>
+      </p:sp>
+      <p:sp>
+        <p:nvSpPr>
+          <p:cNvPr id="3" name="TextBox 2">
+            <a:extLst>
+              <a:ext uri="{FF2B5EF4-FFF2-40B4-BE49-F238E27FC236}">
+                <a16:creationId xmlns:a16="http://schemas.microsoft.com/office/drawing/2014/main" id="{C05C57AB-190B-86D7-637A-93013D9F37C5}"/>
+              </a:ext>
+            </a:extLst>
+          </p:cNvPr>
+          <p:cNvSpPr txBox="1"/>
+          <p:nvPr/>
+        </p:nvSpPr>
+        <p:spPr>
+          <a:xfrm>
+            <a:off x="5897666" y="895739"/>
+            <a:ext cx="3570208" cy="369332"/>
+          </a:xfrm>
+          <a:prstGeom prst="rect">
+            <a:avLst/>
+          </a:prstGeom>
+          <a:noFill/>
+        </p:spPr>
+        <p:txBody>
+          <a:bodyPr wrap="none" rtlCol="0">
+            <a:spAutoFit/>
+          </a:bodyPr>
+          <a:lstStyle/>
+          <a:p>
+            <a:r>
+              <a:rPr lang="en-IN" dirty="0"/>
+              <a:t>Membership &amp; Identity Operators</a:t>
+            </a:r>
+          </a:p>
+        </p:txBody>
+      </p:sp>
     </p:spTree>
     <p:extLst>
       <p:ext uri="{BB962C8B-B14F-4D97-AF65-F5344CB8AC3E}">

--- a/Python Masterclass.pptx
+++ b/Python Masterclass.pptx
@@ -15610,7 +15610,7 @@
               </a:spcBef>
             </a:pPr>
             <a:r>
-              <a:rPr lang="en-US" sz="2400" kern="1200" dirty="0">
+              <a:rPr lang="en-US" kern="1200" dirty="0">
                 <a:solidFill>
                   <a:schemeClr val="tx1"/>
                 </a:solidFill>
@@ -15620,6 +15620,28 @@
               </a:rPr>
               <a:t>Let’s practice and build something ?</a:t>
             </a:r>
+          </a:p>
+          <a:p>
+            <a:pPr algn="r">
+              <a:lnSpc>
+                <a:spcPct val="90000"/>
+              </a:lnSpc>
+              <a:spcBef>
+                <a:spcPts val="1000"/>
+              </a:spcBef>
+            </a:pPr>
+            <a:r>
+              <a:rPr lang="en-US" dirty="0"/>
+              <a:t>https://github.com/Mn-Nisar/Kannur_university_workshop</a:t>
+            </a:r>
+            <a:endParaRPr lang="en-US" kern="1200" dirty="0">
+              <a:solidFill>
+                <a:schemeClr val="tx1"/>
+              </a:solidFill>
+              <a:latin typeface="+mn-lt"/>
+              <a:ea typeface="+mn-ea"/>
+              <a:cs typeface="+mn-cs"/>
+            </a:endParaRPr>
           </a:p>
         </p:txBody>
       </p:sp>
